--- a/sumario.pptx
+++ b/sumario.pptx
@@ -104,7 +104,169 @@
       </a:defRPr>
     </a:lvl9pPr>
   </p:defaultTextStyle>
+  <p:extLst>
+    <p:ext uri="{EFAFB233-063F-42B5-8137-9DF3F51BA10A}">
+      <p15:sldGuideLst xmlns:p15="http://schemas.microsoft.com/office/powerpoint/2012/main"/>
+    </p:ext>
+  </p:extLst>
 </p:presentation>
+</file>
+
+<file path=ppt/revisionInfo.xml><?xml version="1.0" encoding="utf-8"?>
+<p1510:revInfo xmlns:a="http://schemas.openxmlformats.org/drawingml/2006/main" xmlns:r="http://schemas.openxmlformats.org/officeDocument/2006/relationships" xmlns:p1510="http://schemas.microsoft.com/office/powerpoint/2015/10/main">
+  <p1510:revLst>
+    <p1510:client id="{6D619AE1-CA0C-44B7-9DEE-F8A6B101A9CA}" v="4" dt="2024-06-01T19:33:39.048"/>
+  </p1510:revLst>
+</p1510:revInfo>
+</file>
+
+<file path=ppt/changesInfos/changesInfo1.xml><?xml version="1.0" encoding="utf-8"?>
+<pc:chgInfo xmlns:a="http://schemas.openxmlformats.org/drawingml/2006/main" xmlns:r="http://schemas.openxmlformats.org/officeDocument/2006/relationships" xmlns:ac="http://schemas.microsoft.com/office/drawing/2013/main/command" xmlns:pc="http://schemas.microsoft.com/office/powerpoint/2013/main/command">
+  <pc:docChgLst>
+    <pc:chgData name="Caio Azevedo" userId="6a1c4728a6baa2a1" providerId="LiveId" clId="{6D619AE1-CA0C-44B7-9DEE-F8A6B101A9CA}"/>
+    <pc:docChg chg="undo custSel modSld">
+      <pc:chgData name="Caio Azevedo" userId="6a1c4728a6baa2a1" providerId="LiveId" clId="{6D619AE1-CA0C-44B7-9DEE-F8A6B101A9CA}" dt="2024-06-01T19:35:32.661" v="667" actId="20577"/>
+      <pc:docMkLst>
+        <pc:docMk/>
+      </pc:docMkLst>
+      <pc:sldChg chg="addSp delSp modSp mod">
+        <pc:chgData name="Caio Azevedo" userId="6a1c4728a6baa2a1" providerId="LiveId" clId="{6D619AE1-CA0C-44B7-9DEE-F8A6B101A9CA}" dt="2024-06-01T19:35:32.661" v="667" actId="20577"/>
+        <pc:sldMkLst>
+          <pc:docMk/>
+          <pc:sldMk cId="2633483745" sldId="256"/>
+        </pc:sldMkLst>
+        <pc:spChg chg="mod">
+          <ac:chgData name="Caio Azevedo" userId="6a1c4728a6baa2a1" providerId="LiveId" clId="{6D619AE1-CA0C-44B7-9DEE-F8A6B101A9CA}" dt="2024-06-01T19:29:01.895" v="16" actId="20577"/>
+          <ac:spMkLst>
+            <pc:docMk/>
+            <pc:sldMk cId="2633483745" sldId="256"/>
+            <ac:spMk id="10" creationId="{032B0B5F-8A17-8945-E69E-E29C2ECF219E}"/>
+          </ac:spMkLst>
+        </pc:spChg>
+        <pc:spChg chg="mod">
+          <ac:chgData name="Caio Azevedo" userId="6a1c4728a6baa2a1" providerId="LiveId" clId="{6D619AE1-CA0C-44B7-9DEE-F8A6B101A9CA}" dt="2024-06-01T19:30:49.228" v="347" actId="20577"/>
+          <ac:spMkLst>
+            <pc:docMk/>
+            <pc:sldMk cId="2633483745" sldId="256"/>
+            <ac:spMk id="11" creationId="{B8EEBE68-ECFB-936D-54B6-8E6569A7B0C8}"/>
+          </ac:spMkLst>
+        </pc:spChg>
+        <pc:spChg chg="mod">
+          <ac:chgData name="Caio Azevedo" userId="6a1c4728a6baa2a1" providerId="LiveId" clId="{6D619AE1-CA0C-44B7-9DEE-F8A6B101A9CA}" dt="2024-06-01T19:32:03.201" v="418" actId="20577"/>
+          <ac:spMkLst>
+            <pc:docMk/>
+            <pc:sldMk cId="2633483745" sldId="256"/>
+            <ac:spMk id="12" creationId="{5EC2A091-929A-E086-215F-50F25C94C26C}"/>
+          </ac:spMkLst>
+        </pc:spChg>
+        <pc:spChg chg="mod">
+          <ac:chgData name="Caio Azevedo" userId="6a1c4728a6baa2a1" providerId="LiveId" clId="{6D619AE1-CA0C-44B7-9DEE-F8A6B101A9CA}" dt="2024-06-01T19:35:09.802" v="655" actId="20577"/>
+          <ac:spMkLst>
+            <pc:docMk/>
+            <pc:sldMk cId="2633483745" sldId="256"/>
+            <ac:spMk id="49" creationId="{92C66F13-409A-0149-C006-8460D3CA68EA}"/>
+          </ac:spMkLst>
+        </pc:spChg>
+        <pc:spChg chg="mod">
+          <ac:chgData name="Caio Azevedo" userId="6a1c4728a6baa2a1" providerId="LiveId" clId="{6D619AE1-CA0C-44B7-9DEE-F8A6B101A9CA}" dt="2024-06-01T19:35:17.919" v="663" actId="20577"/>
+          <ac:spMkLst>
+            <pc:docMk/>
+            <pc:sldMk cId="2633483745" sldId="256"/>
+            <ac:spMk id="50" creationId="{676B230E-EA3E-D783-CA35-9F3B05547E8E}"/>
+          </ac:spMkLst>
+        </pc:spChg>
+        <pc:spChg chg="mod">
+          <ac:chgData name="Caio Azevedo" userId="6a1c4728a6baa2a1" providerId="LiveId" clId="{6D619AE1-CA0C-44B7-9DEE-F8A6B101A9CA}" dt="2024-06-01T19:35:32.661" v="667" actId="20577"/>
+          <ac:spMkLst>
+            <pc:docMk/>
+            <pc:sldMk cId="2633483745" sldId="256"/>
+            <ac:spMk id="51" creationId="{B0294DE0-1E5D-8C5D-9602-CC87AB6DDECF}"/>
+          </ac:spMkLst>
+        </pc:spChg>
+        <pc:picChg chg="add mod">
+          <ac:chgData name="Caio Azevedo" userId="6a1c4728a6baa2a1" providerId="LiveId" clId="{6D619AE1-CA0C-44B7-9DEE-F8A6B101A9CA}" dt="2024-06-01T19:29:48.025" v="175" actId="1036"/>
+          <ac:picMkLst>
+            <pc:docMk/>
+            <pc:sldMk cId="2633483745" sldId="256"/>
+            <ac:picMk id="2" creationId="{862B8B2E-DD37-93C9-4471-9075E6E1A452}"/>
+          </ac:picMkLst>
+        </pc:picChg>
+        <pc:picChg chg="add mod">
+          <ac:chgData name="Caio Azevedo" userId="6a1c4728a6baa2a1" providerId="LiveId" clId="{6D619AE1-CA0C-44B7-9DEE-F8A6B101A9CA}" dt="2024-06-01T19:30:36.527" v="338" actId="1036"/>
+          <ac:picMkLst>
+            <pc:docMk/>
+            <pc:sldMk cId="2633483745" sldId="256"/>
+            <ac:picMk id="3" creationId="{217E71EB-3825-C533-EF7B-095430DE8C7A}"/>
+          </ac:picMkLst>
+        </pc:picChg>
+        <pc:picChg chg="add mod">
+          <ac:chgData name="Caio Azevedo" userId="6a1c4728a6baa2a1" providerId="LiveId" clId="{6D619AE1-CA0C-44B7-9DEE-F8A6B101A9CA}" dt="2024-06-01T19:33:31.741" v="553" actId="692"/>
+          <ac:picMkLst>
+            <pc:docMk/>
+            <pc:sldMk cId="2633483745" sldId="256"/>
+            <ac:picMk id="5" creationId="{6C5C2780-5A8B-6653-1A6B-E3DD83AB89BB}"/>
+          </ac:picMkLst>
+        </pc:picChg>
+        <pc:picChg chg="add mod">
+          <ac:chgData name="Caio Azevedo" userId="6a1c4728a6baa2a1" providerId="LiveId" clId="{6D619AE1-CA0C-44B7-9DEE-F8A6B101A9CA}" dt="2024-06-01T19:33:55.906" v="651" actId="1037"/>
+          <ac:picMkLst>
+            <pc:docMk/>
+            <pc:sldMk cId="2633483745" sldId="256"/>
+            <ac:picMk id="6" creationId="{2F229F28-7EC9-5171-93D8-795DA4CF1A14}"/>
+          </ac:picMkLst>
+        </pc:picChg>
+        <pc:picChg chg="mod">
+          <ac:chgData name="Caio Azevedo" userId="6a1c4728a6baa2a1" providerId="LiveId" clId="{6D619AE1-CA0C-44B7-9DEE-F8A6B101A9CA}" dt="2024-06-01T19:30:09.749" v="270" actId="1037"/>
+          <ac:picMkLst>
+            <pc:docMk/>
+            <pc:sldMk cId="2633483745" sldId="256"/>
+            <ac:picMk id="33" creationId="{EA2BB525-6714-6FBF-8DE8-B9D1D872A1CA}"/>
+          </ac:picMkLst>
+        </pc:picChg>
+        <pc:picChg chg="del">
+          <ac:chgData name="Caio Azevedo" userId="6a1c4728a6baa2a1" providerId="LiveId" clId="{6D619AE1-CA0C-44B7-9DEE-F8A6B101A9CA}" dt="2024-06-01T19:29:12.489" v="28" actId="478"/>
+          <ac:picMkLst>
+            <pc:docMk/>
+            <pc:sldMk cId="2633483745" sldId="256"/>
+            <ac:picMk id="42" creationId="{03A557A5-2424-6587-3D88-D994514AD4D4}"/>
+          </ac:picMkLst>
+        </pc:picChg>
+        <pc:picChg chg="mod">
+          <ac:chgData name="Caio Azevedo" userId="6a1c4728a6baa2a1" providerId="LiveId" clId="{6D619AE1-CA0C-44B7-9DEE-F8A6B101A9CA}" dt="2024-06-01T19:29:32.246" v="114" actId="1037"/>
+          <ac:picMkLst>
+            <pc:docMk/>
+            <pc:sldMk cId="2633483745" sldId="256"/>
+            <ac:picMk id="56" creationId="{89FCE880-5260-6889-83FA-D9FCE7FD9206}"/>
+          </ac:picMkLst>
+        </pc:picChg>
+        <pc:picChg chg="del">
+          <ac:chgData name="Caio Azevedo" userId="6a1c4728a6baa2a1" providerId="LiveId" clId="{6D619AE1-CA0C-44B7-9DEE-F8A6B101A9CA}" dt="2024-06-01T19:29:38.793" v="115" actId="478"/>
+          <ac:picMkLst>
+            <pc:docMk/>
+            <pc:sldMk cId="2633483745" sldId="256"/>
+            <ac:picMk id="58" creationId="{553B869D-576D-D32F-55AB-2771E56F2B97}"/>
+          </ac:picMkLst>
+        </pc:picChg>
+        <pc:picChg chg="del">
+          <ac:chgData name="Caio Azevedo" userId="6a1c4728a6baa2a1" providerId="LiveId" clId="{6D619AE1-CA0C-44B7-9DEE-F8A6B101A9CA}" dt="2024-06-01T19:30:27.347" v="272" actId="478"/>
+          <ac:picMkLst>
+            <pc:docMk/>
+            <pc:sldMk cId="2633483745" sldId="256"/>
+            <ac:picMk id="60" creationId="{5EDDC53C-C446-D5F6-2C06-91F1305C496C}"/>
+          </ac:picMkLst>
+        </pc:picChg>
+        <pc:picChg chg="del">
+          <ac:chgData name="Caio Azevedo" userId="6a1c4728a6baa2a1" providerId="LiveId" clId="{6D619AE1-CA0C-44B7-9DEE-F8A6B101A9CA}" dt="2024-06-01T19:33:48.199" v="615" actId="478"/>
+          <ac:picMkLst>
+            <pc:docMk/>
+            <pc:sldMk cId="2633483745" sldId="256"/>
+            <ac:picMk id="65" creationId="{54E2A55D-321B-615B-5F40-5EA6453E8544}"/>
+          </ac:picMkLst>
+        </pc:picChg>
+      </pc:sldChg>
+    </pc:docChg>
+  </pc:docChgLst>
+</pc:chgInfo>
 </file>
 
 <file path=ppt/slideLayouts/slideLayout1.xml><?xml version="1.0" encoding="utf-8"?>
@@ -254,7 +416,7 @@
           <a:p>
             <a:fld id="{B8C16241-3375-401B-A95E-830A4D89E6FF}" type="datetimeFigureOut">
               <a:rPr lang="pt-BR" smtClean="0"/>
-              <a:t>31/05/2024</a:t>
+              <a:t>01/06/2024</a:t>
             </a:fld>
             <a:endParaRPr lang="pt-BR"/>
           </a:p>
@@ -452,7 +614,7 @@
           <a:p>
             <a:fld id="{B8C16241-3375-401B-A95E-830A4D89E6FF}" type="datetimeFigureOut">
               <a:rPr lang="pt-BR" smtClean="0"/>
-              <a:t>31/05/2024</a:t>
+              <a:t>01/06/2024</a:t>
             </a:fld>
             <a:endParaRPr lang="pt-BR"/>
           </a:p>
@@ -660,7 +822,7 @@
           <a:p>
             <a:fld id="{B8C16241-3375-401B-A95E-830A4D89E6FF}" type="datetimeFigureOut">
               <a:rPr lang="pt-BR" smtClean="0"/>
-              <a:t>31/05/2024</a:t>
+              <a:t>01/06/2024</a:t>
             </a:fld>
             <a:endParaRPr lang="pt-BR"/>
           </a:p>
@@ -858,7 +1020,7 @@
           <a:p>
             <a:fld id="{B8C16241-3375-401B-A95E-830A4D89E6FF}" type="datetimeFigureOut">
               <a:rPr lang="pt-BR" smtClean="0"/>
-              <a:t>31/05/2024</a:t>
+              <a:t>01/06/2024</a:t>
             </a:fld>
             <a:endParaRPr lang="pt-BR"/>
           </a:p>
@@ -1133,7 +1295,7 @@
           <a:p>
             <a:fld id="{B8C16241-3375-401B-A95E-830A4D89E6FF}" type="datetimeFigureOut">
               <a:rPr lang="pt-BR" smtClean="0"/>
-              <a:t>31/05/2024</a:t>
+              <a:t>01/06/2024</a:t>
             </a:fld>
             <a:endParaRPr lang="pt-BR"/>
           </a:p>
@@ -1398,7 +1560,7 @@
           <a:p>
             <a:fld id="{B8C16241-3375-401B-A95E-830A4D89E6FF}" type="datetimeFigureOut">
               <a:rPr lang="pt-BR" smtClean="0"/>
-              <a:t>31/05/2024</a:t>
+              <a:t>01/06/2024</a:t>
             </a:fld>
             <a:endParaRPr lang="pt-BR"/>
           </a:p>
@@ -1810,7 +1972,7 @@
           <a:p>
             <a:fld id="{B8C16241-3375-401B-A95E-830A4D89E6FF}" type="datetimeFigureOut">
               <a:rPr lang="pt-BR" smtClean="0"/>
-              <a:t>31/05/2024</a:t>
+              <a:t>01/06/2024</a:t>
             </a:fld>
             <a:endParaRPr lang="pt-BR"/>
           </a:p>
@@ -1951,7 +2113,7 @@
           <a:p>
             <a:fld id="{B8C16241-3375-401B-A95E-830A4D89E6FF}" type="datetimeFigureOut">
               <a:rPr lang="pt-BR" smtClean="0"/>
-              <a:t>31/05/2024</a:t>
+              <a:t>01/06/2024</a:t>
             </a:fld>
             <a:endParaRPr lang="pt-BR"/>
           </a:p>
@@ -2064,7 +2226,7 @@
           <a:p>
             <a:fld id="{B8C16241-3375-401B-A95E-830A4D89E6FF}" type="datetimeFigureOut">
               <a:rPr lang="pt-BR" smtClean="0"/>
-              <a:t>31/05/2024</a:t>
+              <a:t>01/06/2024</a:t>
             </a:fld>
             <a:endParaRPr lang="pt-BR"/>
           </a:p>
@@ -2375,7 +2537,7 @@
           <a:p>
             <a:fld id="{B8C16241-3375-401B-A95E-830A4D89E6FF}" type="datetimeFigureOut">
               <a:rPr lang="pt-BR" smtClean="0"/>
-              <a:t>31/05/2024</a:t>
+              <a:t>01/06/2024</a:t>
             </a:fld>
             <a:endParaRPr lang="pt-BR"/>
           </a:p>
@@ -2663,7 +2825,7 @@
           <a:p>
             <a:fld id="{B8C16241-3375-401B-A95E-830A4D89E6FF}" type="datetimeFigureOut">
               <a:rPr lang="pt-BR" smtClean="0"/>
-              <a:t>31/05/2024</a:t>
+              <a:t>01/06/2024</a:t>
             </a:fld>
             <a:endParaRPr lang="pt-BR"/>
           </a:p>
@@ -2904,7 +3066,7 @@
           <a:p>
             <a:fld id="{B8C16241-3375-401B-A95E-830A4D89E6FF}" type="datetimeFigureOut">
               <a:rPr lang="pt-BR" smtClean="0"/>
-              <a:t>31/05/2024</a:t>
+              <a:t>01/06/2024</a:t>
             </a:fld>
             <a:endParaRPr lang="pt-BR"/>
           </a:p>
@@ -3807,41 +3969,7 @@
                 <a:ea typeface="+mn-ea"/>
                 <a:cs typeface="+mn-cs"/>
               </a:rPr>
-              <a:t>Ano das </a:t>
-            </a:r>
-            <a:r>
-              <a:rPr kumimoji="0" lang="pt-BR" sz="2200" b="1" i="0" u="sng" strike="noStrike" kern="1200" cap="none" spc="0" normalizeH="0" baseline="0" noProof="0" dirty="0" err="1">
-                <a:ln>
-                  <a:noFill/>
-                </a:ln>
-                <a:solidFill>
-                  <a:prstClr val="white"/>
-                </a:solidFill>
-                <a:effectLst/>
-                <a:uLnTx/>
-                <a:uFillTx/>
-                <a:latin typeface="Aptos" panose="02110004020202020204"/>
-                <a:ea typeface="+mn-ea"/>
-                <a:cs typeface="+mn-cs"/>
-              </a:rPr>
-              <a:t>DFP’s</a:t>
-            </a:r>
-            <a:r>
-              <a:rPr kumimoji="0" lang="pt-BR" sz="2200" b="1" i="0" u="sng" strike="noStrike" kern="1200" cap="none" spc="0" normalizeH="0" baseline="0" noProof="0" dirty="0">
-                <a:ln>
-                  <a:noFill/>
-                </a:ln>
-                <a:solidFill>
-                  <a:prstClr val="white"/>
-                </a:solidFill>
-                <a:effectLst/>
-                <a:uLnTx/>
-                <a:uFillTx/>
-                <a:latin typeface="Aptos" panose="02110004020202020204"/>
-                <a:ea typeface="+mn-ea"/>
-                <a:cs typeface="+mn-cs"/>
-              </a:rPr>
-              <a:t>:</a:t>
+              <a:t>Nº de contas diferentes do Ativo:</a:t>
             </a:r>
           </a:p>
           <a:p>
@@ -3862,7 +3990,7 @@
               <a:tabLst/>
               <a:defRPr/>
             </a:pPr>
-            <a:endParaRPr kumimoji="0" lang="pt-BR" sz="2000" b="0" i="0" u="none" strike="noStrike" kern="1200" cap="none" spc="0" normalizeH="0" baseline="0" noProof="0" dirty="0">
+            <a:endParaRPr kumimoji="0" lang="pt-BR" sz="1400" b="0" i="0" u="none" strike="noStrike" kern="1200" cap="none" spc="0" normalizeH="0" baseline="0" noProof="0" dirty="0">
               <a:ln>
                 <a:noFill/>
               </a:ln>
@@ -3910,7 +4038,7 @@
                 <a:ea typeface="+mn-ea"/>
                 <a:cs typeface="+mn-cs"/>
               </a:rPr>
-              <a:t>2022</a:t>
+              <a:t>313</a:t>
             </a:r>
           </a:p>
         </p:txBody>
@@ -3994,16 +4122,76 @@
                 <a:ea typeface="+mn-ea"/>
                 <a:cs typeface="+mn-cs"/>
               </a:rPr>
-              <a:t>Nº de contas diferentes:</a:t>
-            </a:r>
-          </a:p>
-          <a:p>
-            <a:endParaRPr lang="pt-BR" sz="1400" dirty="0"/>
-          </a:p>
-          <a:p>
-            <a:r>
-              <a:rPr lang="pt-BR" sz="5500" b="1" dirty="0"/>
-              <a:t>313</a:t>
+              <a:t>Nº de terminologias diferentes do Ativo:</a:t>
+            </a:r>
+          </a:p>
+          <a:p>
+            <a:pPr marL="0" marR="0" lvl="0" indent="0" algn="l" defTabSz="914400" rtl="0" eaLnBrk="1" fontAlgn="auto" latinLnBrk="0" hangingPunct="1">
+              <a:lnSpc>
+                <a:spcPct val="100000"/>
+              </a:lnSpc>
+              <a:spcBef>
+                <a:spcPts val="0"/>
+              </a:spcBef>
+              <a:spcAft>
+                <a:spcPts val="0"/>
+              </a:spcAft>
+              <a:buClrTx/>
+              <a:buSzTx/>
+              <a:buFontTx/>
+              <a:buNone/>
+              <a:tabLst/>
+              <a:defRPr/>
+            </a:pPr>
+            <a:endParaRPr kumimoji="0" lang="pt-BR" sz="1600" b="0" i="0" u="none" strike="noStrike" kern="1200" cap="none" spc="0" normalizeH="0" baseline="0" noProof="0" dirty="0">
+              <a:ln>
+                <a:noFill/>
+              </a:ln>
+              <a:solidFill>
+                <a:prstClr val="white"/>
+              </a:solidFill>
+              <a:effectLst/>
+              <a:uLnTx/>
+              <a:uFillTx/>
+              <a:latin typeface="Aptos" panose="02110004020202020204"/>
+              <a:ea typeface="+mn-ea"/>
+              <a:cs typeface="+mn-cs"/>
+            </a:endParaRPr>
+          </a:p>
+          <a:p>
+            <a:pPr marL="0" marR="0" lvl="0" indent="0" algn="l" defTabSz="914400" rtl="0" eaLnBrk="1" fontAlgn="auto" latinLnBrk="0" hangingPunct="1">
+              <a:lnSpc>
+                <a:spcPct val="100000"/>
+              </a:lnSpc>
+              <a:spcBef>
+                <a:spcPts val="0"/>
+              </a:spcBef>
+              <a:spcAft>
+                <a:spcPts val="0"/>
+              </a:spcAft>
+              <a:buClrTx/>
+              <a:buSzTx/>
+              <a:buFontTx/>
+              <a:buNone/>
+              <a:tabLst/>
+              <a:defRPr/>
+            </a:pPr>
+            <a:r>
+              <a:rPr kumimoji="0" lang="pt-BR" sz="5500" b="1" i="0" u="none" strike="noStrike" kern="1200" cap="none" spc="0" normalizeH="0" baseline="0" noProof="0" dirty="0">
+                <a:ln>
+                  <a:noFill/>
+                </a:ln>
+                <a:solidFill>
+                  <a:prstClr val="white"/>
+                </a:solidFill>
+                <a:effectLst/>
+                <a:uLnTx/>
+                <a:uFillTx/>
+                <a:latin typeface="Aptos" panose="02110004020202020204"/>
+                <a:ea typeface="+mn-ea"/>
+                <a:cs typeface="+mn-cs"/>
+              </a:rPr>
+              <a:t>1809</a:t>
             </a:r>
           </a:p>
         </p:txBody>
@@ -4073,22 +4261,28 @@
               <a:defRPr/>
             </a:pPr>
             <a:r>
-              <a:rPr kumimoji="0" lang="pt-BR" sz="2200" b="1" i="0" u="sng" strike="noStrike" kern="1200" cap="none" spc="0" normalizeH="0" baseline="0" noProof="0" dirty="0">
-                <a:ln>
-                  <a:noFill/>
-                </a:ln>
+              <a:rPr lang="pt-BR" sz="2200" b="1" u="sng" dirty="0">
                 <a:solidFill>
                   <a:prstClr val="white"/>
                 </a:solidFill>
-                <a:effectLst/>
-                <a:uLnTx/>
-                <a:uFillTx/>
                 <a:latin typeface="Aptos" panose="02110004020202020204"/>
-                <a:ea typeface="+mn-ea"/>
-                <a:cs typeface="+mn-cs"/>
               </a:rPr>
-              <a:t>Nº de terminologias diferentes:</a:t>
-            </a:r>
+              <a:t>Média de terminologias por contas do Ativo:</a:t>
+            </a:r>
+            <a:endParaRPr kumimoji="0" lang="pt-BR" sz="2200" b="1" i="0" u="sng" strike="noStrike" kern="1200" cap="none" spc="0" normalizeH="0" baseline="0" noProof="0" dirty="0">
+              <a:ln>
+                <a:noFill/>
+              </a:ln>
+              <a:solidFill>
+                <a:prstClr val="white"/>
+              </a:solidFill>
+              <a:effectLst/>
+              <a:uLnTx/>
+              <a:uFillTx/>
+              <a:latin typeface="Aptos" panose="02110004020202020204"/>
+              <a:ea typeface="+mn-ea"/>
+              <a:cs typeface="+mn-cs"/>
+            </a:endParaRPr>
           </a:p>
           <a:p>
             <a:pPr marL="0" marR="0" lvl="0" indent="0" algn="l" defTabSz="914400" rtl="0" eaLnBrk="1" fontAlgn="auto" latinLnBrk="0" hangingPunct="1">
@@ -4148,7 +4342,7 @@
                 </a:solidFill>
                 <a:latin typeface="Aptos" panose="02110004020202020204"/>
               </a:rPr>
-              <a:t>1809</a:t>
+              <a:t>5,78</a:t>
             </a:r>
             <a:endParaRPr kumimoji="0" lang="pt-BR" sz="5500" b="1" i="0" u="none" strike="noStrike" kern="1200" cap="none" spc="0" normalizeH="0" baseline="0" noProof="0" dirty="0">
               <a:ln>
@@ -4237,7 +4431,7 @@
         </p:blipFill>
         <p:spPr>
           <a:xfrm>
-            <a:off x="10769673" y="3323845"/>
+            <a:off x="6636585" y="3323845"/>
             <a:ext cx="914400" cy="948910"/>
           </a:xfrm>
           <a:prstGeom prst="rect">
@@ -4434,45 +4628,6 @@
           <a:xfrm>
             <a:off x="10007670" y="1503341"/>
             <a:ext cx="652138" cy="623932"/>
-          </a:xfrm>
-          <a:prstGeom prst="rect">
-            <a:avLst/>
-          </a:prstGeom>
-        </p:spPr>
-      </p:pic>
-      <p:pic>
-        <p:nvPicPr>
-          <p:cNvPr id="42" name="Gráfico 41" descr="Calendário diário estrutura de tópicos">
-            <a:extLst>
-              <a:ext uri="{FF2B5EF4-FFF2-40B4-BE49-F238E27FC236}">
-                <a16:creationId xmlns:a16="http://schemas.microsoft.com/office/drawing/2014/main" id="{03A557A5-2424-6587-3D88-D994514AD4D4}"/>
-              </a:ext>
-            </a:extLst>
-          </p:cNvPr>
-          <p:cNvPicPr>
-            <a:picLocks noChangeAspect="1"/>
-          </p:cNvPicPr>
-          <p:nvPr/>
-        </p:nvPicPr>
-        <p:blipFill>
-          <a:blip r:embed="rId6">
-            <a:extLst>
-              <a:ext uri="{28A0092B-C50C-407E-A947-70E740481C1C}">
-                <a14:useLocalDpi xmlns:a14="http://schemas.microsoft.com/office/drawing/2010/main" val="0"/>
-              </a:ext>
-              <a:ext uri="{96DAC541-7B7A-43D3-8B79-37D633B846F1}">
-                <asvg:svgBlip xmlns:asvg="http://schemas.microsoft.com/office/drawing/2016/SVG/main" r:embed="rId7"/>
-              </a:ext>
-            </a:extLst>
-          </a:blip>
-          <a:stretch>
-            <a:fillRect/>
-          </a:stretch>
-        </p:blipFill>
-        <p:spPr>
-          <a:xfrm>
-            <a:off x="2398894" y="3305365"/>
-            <a:ext cx="1063217" cy="904956"/>
           </a:xfrm>
           <a:prstGeom prst="rect">
             <a:avLst/>
@@ -4544,15 +4699,42 @@
               <a:defRPr/>
             </a:pPr>
             <a:r>
-              <a:rPr lang="pt-BR" sz="2000" b="1" u="sng" dirty="0">
+              <a:rPr kumimoji="0" lang="pt-BR" sz="2200" b="1" i="0" u="sng" strike="noStrike" kern="1200" cap="none" spc="0" normalizeH="0" baseline="0" noProof="0" dirty="0">
+                <a:ln>
+                  <a:noFill/>
+                </a:ln>
                 <a:solidFill>
                   <a:prstClr val="white"/>
                 </a:solidFill>
+                <a:effectLst/>
+                <a:uLnTx/>
+                <a:uFillTx/>
                 <a:latin typeface="Aptos" panose="02110004020202020204"/>
+                <a:ea typeface="+mn-ea"/>
+                <a:cs typeface="+mn-cs"/>
               </a:rPr>
-              <a:t>Nº de terminologias com diferença de acentuação:</a:t>
-            </a:r>
-            <a:endParaRPr kumimoji="0" lang="pt-BR" sz="2000" b="1" i="0" u="sng" strike="noStrike" kern="1200" cap="none" spc="0" normalizeH="0" baseline="0" noProof="0" dirty="0">
+              <a:t>Nº de contas diferentes do Passivo:</a:t>
+            </a:r>
+          </a:p>
+          <a:p>
+            <a:pPr marL="0" marR="0" lvl="0" indent="0" algn="l" defTabSz="914400" rtl="0" eaLnBrk="1" fontAlgn="auto" latinLnBrk="0" hangingPunct="1">
+              <a:lnSpc>
+                <a:spcPct val="100000"/>
+              </a:lnSpc>
+              <a:spcBef>
+                <a:spcPts val="0"/>
+              </a:spcBef>
+              <a:spcAft>
+                <a:spcPts val="0"/>
+              </a:spcAft>
+              <a:buClrTx/>
+              <a:buSzTx/>
+              <a:buFontTx/>
+              <a:buNone/>
+              <a:tabLst/>
+              <a:defRPr/>
+            </a:pPr>
+            <a:endParaRPr kumimoji="0" lang="pt-BR" sz="1400" b="0" i="0" u="none" strike="noStrike" kern="1200" cap="none" spc="0" normalizeH="0" baseline="0" noProof="0" dirty="0">
               <a:ln>
                 <a:noFill/>
               </a:ln>
@@ -4585,62 +4767,23 @@
               <a:tabLst/>
               <a:defRPr/>
             </a:pPr>
-            <a:endParaRPr kumimoji="0" lang="pt-BR" sz="2000" b="0" i="0" u="none" strike="noStrike" kern="1200" cap="none" spc="0" normalizeH="0" baseline="0" noProof="0" dirty="0">
-              <a:ln>
-                <a:noFill/>
-              </a:ln>
-              <a:solidFill>
-                <a:prstClr val="white"/>
-              </a:solidFill>
-              <a:effectLst/>
-              <a:uLnTx/>
-              <a:uFillTx/>
-              <a:latin typeface="Aptos" panose="02110004020202020204"/>
-              <a:ea typeface="+mn-ea"/>
-              <a:cs typeface="+mn-cs"/>
-            </a:endParaRPr>
-          </a:p>
-          <a:p>
-            <a:pPr marL="0" marR="0" lvl="0" indent="0" algn="l" defTabSz="914400" rtl="0" eaLnBrk="1" fontAlgn="auto" latinLnBrk="0" hangingPunct="1">
-              <a:lnSpc>
-                <a:spcPct val="100000"/>
-              </a:lnSpc>
-              <a:spcBef>
-                <a:spcPts val="0"/>
-              </a:spcBef>
-              <a:spcAft>
-                <a:spcPts val="0"/>
-              </a:spcAft>
-              <a:buClrTx/>
-              <a:buSzTx/>
-              <a:buFontTx/>
-              <a:buNone/>
-              <a:tabLst/>
-              <a:defRPr/>
-            </a:pPr>
-            <a:r>
-              <a:rPr lang="pt-BR" sz="5500" b="1" dirty="0">
+            <a:r>
+              <a:rPr kumimoji="0" lang="pt-BR" sz="5500" b="1" i="0" u="none" strike="noStrike" kern="1200" cap="none" spc="0" normalizeH="0" baseline="0" noProof="0" dirty="0">
+                <a:ln>
+                  <a:noFill/>
+                </a:ln>
                 <a:solidFill>
                   <a:prstClr val="white"/>
                 </a:solidFill>
+                <a:effectLst/>
+                <a:uLnTx/>
+                <a:uFillTx/>
                 <a:latin typeface="Aptos" panose="02110004020202020204"/>
+                <a:ea typeface="+mn-ea"/>
+                <a:cs typeface="+mn-cs"/>
               </a:rPr>
-              <a:t>46</a:t>
-            </a:r>
-            <a:endParaRPr kumimoji="0" lang="pt-BR" sz="5500" b="1" i="0" u="none" strike="noStrike" kern="1200" cap="none" spc="0" normalizeH="0" baseline="0" noProof="0" dirty="0">
-              <a:ln>
-                <a:noFill/>
-              </a:ln>
-              <a:solidFill>
-                <a:prstClr val="white"/>
-              </a:solidFill>
-              <a:effectLst/>
-              <a:uLnTx/>
-              <a:uFillTx/>
-              <a:latin typeface="Aptos" panose="02110004020202020204"/>
-              <a:ea typeface="+mn-ea"/>
-              <a:cs typeface="+mn-cs"/>
-            </a:endParaRPr>
+              <a:t>396</a:t>
+            </a:r>
           </a:p>
         </p:txBody>
       </p:sp>
@@ -4709,7 +4852,7 @@
               <a:defRPr/>
             </a:pPr>
             <a:r>
-              <a:rPr kumimoji="0" lang="pt-BR" sz="1900" b="1" i="0" u="sng" strike="noStrike" kern="1200" cap="none" spc="0" normalizeH="0" baseline="0" noProof="0" dirty="0">
+              <a:rPr kumimoji="0" lang="pt-BR" sz="2200" b="1" i="0" u="sng" strike="noStrike" kern="1200" cap="none" spc="0" normalizeH="0" baseline="0" noProof="0" dirty="0">
                 <a:ln>
                   <a:noFill/>
                 </a:ln>
@@ -4723,17 +4866,83 @@
                 <a:ea typeface="+mn-ea"/>
                 <a:cs typeface="+mn-cs"/>
               </a:rPr>
-              <a:t>Nº de terminologias com diferença entre maiúsculos e minúsculos:</a:t>
-            </a:r>
-          </a:p>
-          <a:p>
-            <a:endParaRPr lang="pt-BR" sz="1400" dirty="0"/>
-          </a:p>
-          <a:p>
-            <a:r>
-              <a:rPr lang="pt-BR" sz="5500" b="1" dirty="0"/>
-              <a:t>267</a:t>
-            </a:r>
+              <a:t>Nº de terminologias diferentes do Passivo:</a:t>
+            </a:r>
+          </a:p>
+          <a:p>
+            <a:pPr marL="0" marR="0" lvl="0" indent="0" algn="l" defTabSz="914400" rtl="0" eaLnBrk="1" fontAlgn="auto" latinLnBrk="0" hangingPunct="1">
+              <a:lnSpc>
+                <a:spcPct val="100000"/>
+              </a:lnSpc>
+              <a:spcBef>
+                <a:spcPts val="0"/>
+              </a:spcBef>
+              <a:spcAft>
+                <a:spcPts val="0"/>
+              </a:spcAft>
+              <a:buClrTx/>
+              <a:buSzTx/>
+              <a:buFontTx/>
+              <a:buNone/>
+              <a:tabLst/>
+              <a:defRPr/>
+            </a:pPr>
+            <a:endParaRPr kumimoji="0" lang="pt-BR" sz="1600" b="0" i="0" u="none" strike="noStrike" kern="1200" cap="none" spc="0" normalizeH="0" baseline="0" noProof="0" dirty="0">
+              <a:ln>
+                <a:noFill/>
+              </a:ln>
+              <a:solidFill>
+                <a:prstClr val="white"/>
+              </a:solidFill>
+              <a:effectLst/>
+              <a:uLnTx/>
+              <a:uFillTx/>
+              <a:latin typeface="Aptos" panose="02110004020202020204"/>
+              <a:ea typeface="+mn-ea"/>
+              <a:cs typeface="+mn-cs"/>
+            </a:endParaRPr>
+          </a:p>
+          <a:p>
+            <a:pPr marL="0" marR="0" lvl="0" indent="0" algn="l" defTabSz="914400" rtl="0" eaLnBrk="1" fontAlgn="auto" latinLnBrk="0" hangingPunct="1">
+              <a:lnSpc>
+                <a:spcPct val="100000"/>
+              </a:lnSpc>
+              <a:spcBef>
+                <a:spcPts val="0"/>
+              </a:spcBef>
+              <a:spcAft>
+                <a:spcPts val="0"/>
+              </a:spcAft>
+              <a:buClrTx/>
+              <a:buSzTx/>
+              <a:buFontTx/>
+              <a:buNone/>
+              <a:tabLst/>
+              <a:defRPr/>
+            </a:pPr>
+            <a:r>
+              <a:rPr lang="pt-BR" sz="5500" b="1" dirty="0">
+                <a:solidFill>
+                  <a:prstClr val="white"/>
+                </a:solidFill>
+                <a:latin typeface="Aptos" panose="02110004020202020204"/>
+              </a:rPr>
+              <a:t>3090</a:t>
+            </a:r>
+            <a:endParaRPr kumimoji="0" lang="pt-BR" sz="5500" b="1" i="0" u="none" strike="noStrike" kern="1200" cap="none" spc="0" normalizeH="0" baseline="0" noProof="0" dirty="0">
+              <a:ln>
+                <a:noFill/>
+              </a:ln>
+              <a:solidFill>
+                <a:prstClr val="white"/>
+              </a:solidFill>
+              <a:effectLst/>
+              <a:uLnTx/>
+              <a:uFillTx/>
+              <a:latin typeface="Aptos" panose="02110004020202020204"/>
+              <a:ea typeface="+mn-ea"/>
+              <a:cs typeface="+mn-cs"/>
+            </a:endParaRPr>
           </a:p>
         </p:txBody>
       </p:sp>
@@ -4784,11 +4993,25 @@
           <a:bodyPr rtlCol="0" anchor="ctr"/>
           <a:lstStyle/>
           <a:p>
-            <a:pPr>
+            <a:pPr marL="0" marR="0" lvl="0" indent="0" algn="l" defTabSz="914400" rtl="0" eaLnBrk="1" fontAlgn="auto" latinLnBrk="0" hangingPunct="1">
+              <a:lnSpc>
+                <a:spcPct val="100000"/>
+              </a:lnSpc>
+              <a:spcBef>
+                <a:spcPts val="0"/>
+              </a:spcBef>
+              <a:spcAft>
+                <a:spcPts val="0"/>
+              </a:spcAft>
+              <a:buClrTx/>
+              <a:buSzTx/>
+              <a:buFontTx/>
+              <a:buNone/>
+              <a:tabLst/>
               <a:defRPr/>
             </a:pPr>
             <a:r>
-              <a:rPr kumimoji="0" lang="pt-BR" sz="1700" b="1" i="0" u="sng" strike="noStrike" kern="1200" cap="none" spc="0" normalizeH="0" baseline="0" noProof="0" dirty="0">
+              <a:rPr kumimoji="0" lang="pt-BR" sz="2200" b="1" i="0" u="sng" strike="noStrike" kern="1200" cap="none" spc="0" normalizeH="0" baseline="0" noProof="0" dirty="0">
                 <a:ln>
                   <a:noFill/>
                 </a:ln>
@@ -4802,7 +5025,7 @@
                 <a:ea typeface="+mn-ea"/>
                 <a:cs typeface="+mn-cs"/>
               </a:rPr>
-              <a:t>Nº de terminologias com diferença de acentuação e entre maiúsculos e minúsculos:</a:t>
+              <a:t>Média de terminologias por contas do Passivo:</a:t>
             </a:r>
           </a:p>
           <a:p>
@@ -4857,7 +5080,7 @@
               <a:defRPr/>
             </a:pPr>
             <a:r>
-              <a:rPr kumimoji="0" lang="pt-BR" sz="5500" b="1" i="0" u="none" strike="noStrike" kern="1200" cap="none" spc="0" normalizeH="0" baseline="0" noProof="0" dirty="0">
+              <a:rPr kumimoji="0" lang="pt-BR" sz="5500" b="1" i="0" u="none" strike="noStrike" kern="1200" cap="none" spc="0" normalizeH="0" baseline="0" noProof="0">
                 <a:ln>
                   <a:noFill/>
                 </a:ln>
@@ -4871,8 +5094,22 @@
                 <a:ea typeface="+mn-ea"/>
                 <a:cs typeface="+mn-cs"/>
               </a:rPr>
-              <a:t>3</a:t>
-            </a:r>
+              <a:t>7,80</a:t>
+            </a:r>
+            <a:endParaRPr kumimoji="0" lang="pt-BR" sz="5500" b="1" i="0" u="none" strike="noStrike" kern="1200" cap="none" spc="0" normalizeH="0" baseline="0" noProof="0" dirty="0">
+              <a:ln>
+                <a:noFill/>
+              </a:ln>
+              <a:solidFill>
+                <a:prstClr val="white"/>
+              </a:solidFill>
+              <a:effectLst/>
+              <a:uLnTx/>
+              <a:uFillTx/>
+              <a:latin typeface="Aptos" panose="02110004020202020204"/>
+              <a:ea typeface="+mn-ea"/>
+              <a:cs typeface="+mn-cs"/>
+            </a:endParaRPr>
           </a:p>
         </p:txBody>
       </p:sp>
@@ -4891,13 +5128,13 @@
           <p:nvPr/>
         </p:nvPicPr>
         <p:blipFill>
-          <a:blip r:embed="rId8">
+          <a:blip r:embed="rId6">
             <a:extLst>
               <a:ext uri="{28A0092B-C50C-407E-A947-70E740481C1C}">
                 <a14:useLocalDpi xmlns:a14="http://schemas.microsoft.com/office/drawing/2010/main" val="0"/>
               </a:ext>
               <a:ext uri="{96DAC541-7B7A-43D3-8B79-37D633B846F1}">
-                <asvg:svgBlip xmlns:asvg="http://schemas.microsoft.com/office/drawing/2016/SVG/main" r:embed="rId9"/>
+                <asvg:svgBlip xmlns:asvg="http://schemas.microsoft.com/office/drawing/2016/SVG/main" r:embed="rId7"/>
               </a:ext>
             </a:extLst>
           </a:blip>
@@ -4907,7 +5144,7 @@
         </p:blipFill>
         <p:spPr>
           <a:xfrm>
-            <a:off x="6599377" y="3350489"/>
+            <a:off x="2429713" y="3350489"/>
             <a:ext cx="914400" cy="914400"/>
           </a:xfrm>
           <a:prstGeom prst="rect">
@@ -4917,10 +5154,10 @@
       </p:pic>
       <p:pic>
         <p:nvPicPr>
-          <p:cNvPr id="58" name="Gráfico 57" descr="Acento Circunflexo para Cima com preenchimento sólido">
-            <a:extLst>
-              <a:ext uri="{FF2B5EF4-FFF2-40B4-BE49-F238E27FC236}">
-                <a16:creationId xmlns:a16="http://schemas.microsoft.com/office/drawing/2014/main" id="{553B869D-576D-D32F-55AB-2771E56F2B97}"/>
+          <p:cNvPr id="2" name="Gráfico 1" descr="Notas adesivas 3 estrutura de tópicos">
+            <a:extLst>
+              <a:ext uri="{FF2B5EF4-FFF2-40B4-BE49-F238E27FC236}">
+                <a16:creationId xmlns:a16="http://schemas.microsoft.com/office/drawing/2014/main" id="{862B8B2E-DD37-93C9-4471-9075E6E1A452}"/>
               </a:ext>
             </a:extLst>
           </p:cNvPr>
@@ -4930,13 +5167,13 @@
           <p:nvPr/>
         </p:nvPicPr>
         <p:blipFill>
-          <a:blip r:embed="rId10">
+          <a:blip r:embed="rId6">
             <a:extLst>
               <a:ext uri="{28A0092B-C50C-407E-A947-70E740481C1C}">
                 <a14:useLocalDpi xmlns:a14="http://schemas.microsoft.com/office/drawing/2010/main" val="0"/>
               </a:ext>
               <a:ext uri="{96DAC541-7B7A-43D3-8B79-37D633B846F1}">
-                <asvg:svgBlip xmlns:asvg="http://schemas.microsoft.com/office/drawing/2016/SVG/main" r:embed="rId11"/>
+                <asvg:svgBlip xmlns:asvg="http://schemas.microsoft.com/office/drawing/2016/SVG/main" r:embed="rId7"/>
               </a:ext>
             </a:extLst>
           </a:blip>
@@ -4946,7 +5183,7 @@
         </p:blipFill>
         <p:spPr>
           <a:xfrm>
-            <a:off x="2526149" y="5678056"/>
+            <a:off x="2508961" y="5615153"/>
             <a:ext cx="914400" cy="914400"/>
           </a:xfrm>
           <a:prstGeom prst="rect">
@@ -4956,10 +5193,10 @@
       </p:pic>
       <p:pic>
         <p:nvPicPr>
-          <p:cNvPr id="60" name="Gráfico 59" descr="Professor estrutura de tópicos">
-            <a:extLst>
-              <a:ext uri="{FF2B5EF4-FFF2-40B4-BE49-F238E27FC236}">
-                <a16:creationId xmlns:a16="http://schemas.microsoft.com/office/drawing/2014/main" id="{5EDDC53C-C446-D5F6-2C06-91F1305C496C}"/>
+          <p:cNvPr id="3" name="Gráfico 2" descr="Área de transferência Mista estrutura de tópicos">
+            <a:extLst>
+              <a:ext uri="{FF2B5EF4-FFF2-40B4-BE49-F238E27FC236}">
+                <a16:creationId xmlns:a16="http://schemas.microsoft.com/office/drawing/2014/main" id="{217E71EB-3825-C533-EF7B-095430DE8C7A}"/>
               </a:ext>
             </a:extLst>
           </p:cNvPr>
@@ -4969,13 +5206,13 @@
           <p:nvPr/>
         </p:nvPicPr>
         <p:blipFill>
-          <a:blip r:embed="rId12">
+          <a:blip r:embed="rId4">
             <a:extLst>
               <a:ext uri="{28A0092B-C50C-407E-A947-70E740481C1C}">
                 <a14:useLocalDpi xmlns:a14="http://schemas.microsoft.com/office/drawing/2010/main" val="0"/>
               </a:ext>
               <a:ext uri="{96DAC541-7B7A-43D3-8B79-37D633B846F1}">
-                <asvg:svgBlip xmlns:asvg="http://schemas.microsoft.com/office/drawing/2016/SVG/main" r:embed="rId13"/>
+                <asvg:svgBlip xmlns:asvg="http://schemas.microsoft.com/office/drawing/2016/SVG/main" r:embed="rId5"/>
               </a:ext>
             </a:extLst>
           </a:blip>
@@ -4985,7 +5222,46 @@
         </p:blipFill>
         <p:spPr>
           <a:xfrm>
-            <a:off x="6580902" y="5705763"/>
+            <a:off x="6688401" y="5542789"/>
+            <a:ext cx="914400" cy="948910"/>
+          </a:xfrm>
+          <a:prstGeom prst="rect">
+            <a:avLst/>
+          </a:prstGeom>
+        </p:spPr>
+      </p:pic>
+      <p:pic>
+        <p:nvPicPr>
+          <p:cNvPr id="5" name="Gráfico 4" descr="Calculadora estrutura de tópicos">
+            <a:extLst>
+              <a:ext uri="{FF2B5EF4-FFF2-40B4-BE49-F238E27FC236}">
+                <a16:creationId xmlns:a16="http://schemas.microsoft.com/office/drawing/2014/main" id="{6C5C2780-5A8B-6653-1A6B-E3DD83AB89BB}"/>
+              </a:ext>
+            </a:extLst>
+          </p:cNvPr>
+          <p:cNvPicPr>
+            <a:picLocks noChangeAspect="1"/>
+          </p:cNvPicPr>
+          <p:nvPr/>
+        </p:nvPicPr>
+        <p:blipFill>
+          <a:blip r:embed="rId8">
+            <a:extLst>
+              <a:ext uri="{28A0092B-C50C-407E-A947-70E740481C1C}">
+                <a14:useLocalDpi xmlns:a14="http://schemas.microsoft.com/office/drawing/2010/main" val="0"/>
+              </a:ext>
+              <a:ext uri="{96DAC541-7B7A-43D3-8B79-37D633B846F1}">
+                <asvg:svgBlip xmlns:asvg="http://schemas.microsoft.com/office/drawing/2016/SVG/main" r:embed="rId9"/>
+              </a:ext>
+            </a:extLst>
+          </a:blip>
+          <a:stretch>
+            <a:fillRect/>
+          </a:stretch>
+        </p:blipFill>
+        <p:spPr>
+          <a:xfrm>
+            <a:off x="10759440" y="3383280"/>
             <a:ext cx="914400" cy="914400"/>
           </a:xfrm>
           <a:prstGeom prst="rect">
@@ -4995,10 +5271,10 @@
       </p:pic>
       <p:pic>
         <p:nvPicPr>
-          <p:cNvPr id="65" name="Gráfico 64" descr="Livros estrutura de tópicos">
-            <a:extLst>
-              <a:ext uri="{FF2B5EF4-FFF2-40B4-BE49-F238E27FC236}">
-                <a16:creationId xmlns:a16="http://schemas.microsoft.com/office/drawing/2014/main" id="{54E2A55D-321B-615B-5F40-5EA6453E8544}"/>
+          <p:cNvPr id="6" name="Gráfico 5" descr="Calculadora estrutura de tópicos">
+            <a:extLst>
+              <a:ext uri="{FF2B5EF4-FFF2-40B4-BE49-F238E27FC236}">
+                <a16:creationId xmlns:a16="http://schemas.microsoft.com/office/drawing/2014/main" id="{2F229F28-7EC9-5171-93D8-795DA4CF1A14}"/>
               </a:ext>
             </a:extLst>
           </p:cNvPr>
@@ -5008,13 +5284,13 @@
           <p:nvPr/>
         </p:nvPicPr>
         <p:blipFill>
-          <a:blip r:embed="rId14">
+          <a:blip r:embed="rId8">
             <a:extLst>
               <a:ext uri="{28A0092B-C50C-407E-A947-70E740481C1C}">
                 <a14:useLocalDpi xmlns:a14="http://schemas.microsoft.com/office/drawing/2010/main" val="0"/>
               </a:ext>
               <a:ext uri="{96DAC541-7B7A-43D3-8B79-37D633B846F1}">
-                <asvg:svgBlip xmlns:asvg="http://schemas.microsoft.com/office/drawing/2016/SVG/main" r:embed="rId15"/>
+                <asvg:svgBlip xmlns:asvg="http://schemas.microsoft.com/office/drawing/2016/SVG/main" r:embed="rId9"/>
               </a:ext>
             </a:extLst>
           </a:blip>
@@ -5024,7 +5300,7 @@
         </p:blipFill>
         <p:spPr>
           <a:xfrm>
-            <a:off x="10801944" y="5761181"/>
+            <a:off x="10791771" y="5632338"/>
             <a:ext cx="914400" cy="914400"/>
           </a:xfrm>
           <a:prstGeom prst="rect">

--- a/sumario.pptx
+++ b/sumario.pptx
@@ -125,18 +125,26 @@
   <pc:docChgLst>
     <pc:chgData name="Caio Azevedo" userId="6a1c4728a6baa2a1" providerId="LiveId" clId="{6D619AE1-CA0C-44B7-9DEE-F8A6B101A9CA}"/>
     <pc:docChg chg="undo custSel modSld">
-      <pc:chgData name="Caio Azevedo" userId="6a1c4728a6baa2a1" providerId="LiveId" clId="{6D619AE1-CA0C-44B7-9DEE-F8A6B101A9CA}" dt="2024-06-01T19:35:32.661" v="667" actId="20577"/>
+      <pc:chgData name="Caio Azevedo" userId="6a1c4728a6baa2a1" providerId="LiveId" clId="{6D619AE1-CA0C-44B7-9DEE-F8A6B101A9CA}" dt="2024-06-16T13:35:29.658" v="694" actId="20577"/>
       <pc:docMkLst>
         <pc:docMk/>
       </pc:docMkLst>
       <pc:sldChg chg="addSp delSp modSp mod">
-        <pc:chgData name="Caio Azevedo" userId="6a1c4728a6baa2a1" providerId="LiveId" clId="{6D619AE1-CA0C-44B7-9DEE-F8A6B101A9CA}" dt="2024-06-01T19:35:32.661" v="667" actId="20577"/>
+        <pc:chgData name="Caio Azevedo" userId="6a1c4728a6baa2a1" providerId="LiveId" clId="{6D619AE1-CA0C-44B7-9DEE-F8A6B101A9CA}" dt="2024-06-16T13:35:29.658" v="694" actId="20577"/>
         <pc:sldMkLst>
           <pc:docMk/>
           <pc:sldMk cId="2633483745" sldId="256"/>
         </pc:sldMkLst>
         <pc:spChg chg="mod">
-          <ac:chgData name="Caio Azevedo" userId="6a1c4728a6baa2a1" providerId="LiveId" clId="{6D619AE1-CA0C-44B7-9DEE-F8A6B101A9CA}" dt="2024-06-01T19:29:01.895" v="16" actId="20577"/>
+          <ac:chgData name="Caio Azevedo" userId="6a1c4728a6baa2a1" providerId="LiveId" clId="{6D619AE1-CA0C-44B7-9DEE-F8A6B101A9CA}" dt="2024-06-16T13:34:34.352" v="671" actId="20577"/>
+          <ac:spMkLst>
+            <pc:docMk/>
+            <pc:sldMk cId="2633483745" sldId="256"/>
+            <ac:spMk id="7" creationId="{DDD7CDC9-2305-A4C7-A833-E0D242FBC8FC}"/>
+          </ac:spMkLst>
+        </pc:spChg>
+        <pc:spChg chg="mod">
+          <ac:chgData name="Caio Azevedo" userId="6a1c4728a6baa2a1" providerId="LiveId" clId="{6D619AE1-CA0C-44B7-9DEE-F8A6B101A9CA}" dt="2024-06-16T13:34:50.360" v="674" actId="20577"/>
           <ac:spMkLst>
             <pc:docMk/>
             <pc:sldMk cId="2633483745" sldId="256"/>
@@ -144,7 +152,7 @@
           </ac:spMkLst>
         </pc:spChg>
         <pc:spChg chg="mod">
-          <ac:chgData name="Caio Azevedo" userId="6a1c4728a6baa2a1" providerId="LiveId" clId="{6D619AE1-CA0C-44B7-9DEE-F8A6B101A9CA}" dt="2024-06-01T19:30:49.228" v="347" actId="20577"/>
+          <ac:chgData name="Caio Azevedo" userId="6a1c4728a6baa2a1" providerId="LiveId" clId="{6D619AE1-CA0C-44B7-9DEE-F8A6B101A9CA}" dt="2024-06-16T13:34:55.215" v="678" actId="20577"/>
           <ac:spMkLst>
             <pc:docMk/>
             <pc:sldMk cId="2633483745" sldId="256"/>
@@ -152,7 +160,7 @@
           </ac:spMkLst>
         </pc:spChg>
         <pc:spChg chg="mod">
-          <ac:chgData name="Caio Azevedo" userId="6a1c4728a6baa2a1" providerId="LiveId" clId="{6D619AE1-CA0C-44B7-9DEE-F8A6B101A9CA}" dt="2024-06-01T19:32:03.201" v="418" actId="20577"/>
+          <ac:chgData name="Caio Azevedo" userId="6a1c4728a6baa2a1" providerId="LiveId" clId="{6D619AE1-CA0C-44B7-9DEE-F8A6B101A9CA}" dt="2024-06-16T13:34:59.594" v="682" actId="20577"/>
           <ac:spMkLst>
             <pc:docMk/>
             <pc:sldMk cId="2633483745" sldId="256"/>
@@ -160,7 +168,7 @@
           </ac:spMkLst>
         </pc:spChg>
         <pc:spChg chg="mod">
-          <ac:chgData name="Caio Azevedo" userId="6a1c4728a6baa2a1" providerId="LiveId" clId="{6D619AE1-CA0C-44B7-9DEE-F8A6B101A9CA}" dt="2024-06-01T19:35:09.802" v="655" actId="20577"/>
+          <ac:chgData name="Caio Azevedo" userId="6a1c4728a6baa2a1" providerId="LiveId" clId="{6D619AE1-CA0C-44B7-9DEE-F8A6B101A9CA}" dt="2024-06-16T13:35:18.882" v="686" actId="20577"/>
           <ac:spMkLst>
             <pc:docMk/>
             <pc:sldMk cId="2633483745" sldId="256"/>
@@ -168,7 +176,7 @@
           </ac:spMkLst>
         </pc:spChg>
         <pc:spChg chg="mod">
-          <ac:chgData name="Caio Azevedo" userId="6a1c4728a6baa2a1" providerId="LiveId" clId="{6D619AE1-CA0C-44B7-9DEE-F8A6B101A9CA}" dt="2024-06-01T19:35:17.919" v="663" actId="20577"/>
+          <ac:chgData name="Caio Azevedo" userId="6a1c4728a6baa2a1" providerId="LiveId" clId="{6D619AE1-CA0C-44B7-9DEE-F8A6B101A9CA}" dt="2024-06-16T13:35:24.682" v="690" actId="20577"/>
           <ac:spMkLst>
             <pc:docMk/>
             <pc:sldMk cId="2633483745" sldId="256"/>
@@ -176,7 +184,7 @@
           </ac:spMkLst>
         </pc:spChg>
         <pc:spChg chg="mod">
-          <ac:chgData name="Caio Azevedo" userId="6a1c4728a6baa2a1" providerId="LiveId" clId="{6D619AE1-CA0C-44B7-9DEE-F8A6B101A9CA}" dt="2024-06-01T19:35:32.661" v="667" actId="20577"/>
+          <ac:chgData name="Caio Azevedo" userId="6a1c4728a6baa2a1" providerId="LiveId" clId="{6D619AE1-CA0C-44B7-9DEE-F8A6B101A9CA}" dt="2024-06-16T13:35:29.658" v="694" actId="20577"/>
           <ac:spMkLst>
             <pc:docMk/>
             <pc:sldMk cId="2633483745" sldId="256"/>
@@ -416,7 +424,7 @@
           <a:p>
             <a:fld id="{B8C16241-3375-401B-A95E-830A4D89E6FF}" type="datetimeFigureOut">
               <a:rPr lang="pt-BR" smtClean="0"/>
-              <a:t>01/06/2024</a:t>
+              <a:t>16/06/2024</a:t>
             </a:fld>
             <a:endParaRPr lang="pt-BR"/>
           </a:p>
@@ -614,7 +622,7 @@
           <a:p>
             <a:fld id="{B8C16241-3375-401B-A95E-830A4D89E6FF}" type="datetimeFigureOut">
               <a:rPr lang="pt-BR" smtClean="0"/>
-              <a:t>01/06/2024</a:t>
+              <a:t>16/06/2024</a:t>
             </a:fld>
             <a:endParaRPr lang="pt-BR"/>
           </a:p>
@@ -822,7 +830,7 @@
           <a:p>
             <a:fld id="{B8C16241-3375-401B-A95E-830A4D89E6FF}" type="datetimeFigureOut">
               <a:rPr lang="pt-BR" smtClean="0"/>
-              <a:t>01/06/2024</a:t>
+              <a:t>16/06/2024</a:t>
             </a:fld>
             <a:endParaRPr lang="pt-BR"/>
           </a:p>
@@ -1020,7 +1028,7 @@
           <a:p>
             <a:fld id="{B8C16241-3375-401B-A95E-830A4D89E6FF}" type="datetimeFigureOut">
               <a:rPr lang="pt-BR" smtClean="0"/>
-              <a:t>01/06/2024</a:t>
+              <a:t>16/06/2024</a:t>
             </a:fld>
             <a:endParaRPr lang="pt-BR"/>
           </a:p>
@@ -1295,7 +1303,7 @@
           <a:p>
             <a:fld id="{B8C16241-3375-401B-A95E-830A4D89E6FF}" type="datetimeFigureOut">
               <a:rPr lang="pt-BR" smtClean="0"/>
-              <a:t>01/06/2024</a:t>
+              <a:t>16/06/2024</a:t>
             </a:fld>
             <a:endParaRPr lang="pt-BR"/>
           </a:p>
@@ -1560,7 +1568,7 @@
           <a:p>
             <a:fld id="{B8C16241-3375-401B-A95E-830A4D89E6FF}" type="datetimeFigureOut">
               <a:rPr lang="pt-BR" smtClean="0"/>
-              <a:t>01/06/2024</a:t>
+              <a:t>16/06/2024</a:t>
             </a:fld>
             <a:endParaRPr lang="pt-BR"/>
           </a:p>
@@ -1972,7 +1980,7 @@
           <a:p>
             <a:fld id="{B8C16241-3375-401B-A95E-830A4D89E6FF}" type="datetimeFigureOut">
               <a:rPr lang="pt-BR" smtClean="0"/>
-              <a:t>01/06/2024</a:t>
+              <a:t>16/06/2024</a:t>
             </a:fld>
             <a:endParaRPr lang="pt-BR"/>
           </a:p>
@@ -2113,7 +2121,7 @@
           <a:p>
             <a:fld id="{B8C16241-3375-401B-A95E-830A4D89E6FF}" type="datetimeFigureOut">
               <a:rPr lang="pt-BR" smtClean="0"/>
-              <a:t>01/06/2024</a:t>
+              <a:t>16/06/2024</a:t>
             </a:fld>
             <a:endParaRPr lang="pt-BR"/>
           </a:p>
@@ -2226,7 +2234,7 @@
           <a:p>
             <a:fld id="{B8C16241-3375-401B-A95E-830A4D89E6FF}" type="datetimeFigureOut">
               <a:rPr lang="pt-BR" smtClean="0"/>
-              <a:t>01/06/2024</a:t>
+              <a:t>16/06/2024</a:t>
             </a:fld>
             <a:endParaRPr lang="pt-BR"/>
           </a:p>
@@ -2537,7 +2545,7 @@
           <a:p>
             <a:fld id="{B8C16241-3375-401B-A95E-830A4D89E6FF}" type="datetimeFigureOut">
               <a:rPr lang="pt-BR" smtClean="0"/>
-              <a:t>01/06/2024</a:t>
+              <a:t>16/06/2024</a:t>
             </a:fld>
             <a:endParaRPr lang="pt-BR"/>
           </a:p>
@@ -2825,7 +2833,7 @@
           <a:p>
             <a:fld id="{B8C16241-3375-401B-A95E-830A4D89E6FF}" type="datetimeFigureOut">
               <a:rPr lang="pt-BR" smtClean="0"/>
-              <a:t>01/06/2024</a:t>
+              <a:t>16/06/2024</a:t>
             </a:fld>
             <a:endParaRPr lang="pt-BR"/>
           </a:p>
@@ -3066,7 +3074,7 @@
           <a:p>
             <a:fld id="{B8C16241-3375-401B-A95E-830A4D89E6FF}" type="datetimeFigureOut">
               <a:rPr lang="pt-BR" smtClean="0"/>
-              <a:t>01/06/2024</a:t>
+              <a:t>16/06/2024</a:t>
             </a:fld>
             <a:endParaRPr lang="pt-BR"/>
           </a:p>
@@ -3541,7 +3549,7 @@
           <a:p>
             <a:r>
               <a:rPr lang="pt-BR" sz="5500" b="1" dirty="0"/>
-              <a:t>472</a:t>
+              <a:t>456</a:t>
             </a:r>
           </a:p>
         </p:txBody>
@@ -4038,7 +4046,7 @@
                 <a:ea typeface="+mn-ea"/>
                 <a:cs typeface="+mn-cs"/>
               </a:rPr>
-              <a:t>313</a:t>
+              <a:t>287</a:t>
             </a:r>
           </a:p>
         </p:txBody>
@@ -4191,7 +4199,7 @@
                 <a:ea typeface="+mn-ea"/>
                 <a:cs typeface="+mn-cs"/>
               </a:rPr>
-              <a:t>1809</a:t>
+              <a:t>1769</a:t>
             </a:r>
           </a:p>
         </p:txBody>
@@ -4342,7 +4350,7 @@
                 </a:solidFill>
                 <a:latin typeface="Aptos" panose="02110004020202020204"/>
               </a:rPr>
-              <a:t>5,78</a:t>
+              <a:t>6,16</a:t>
             </a:r>
             <a:endParaRPr kumimoji="0" lang="pt-BR" sz="5500" b="1" i="0" u="none" strike="noStrike" kern="1200" cap="none" spc="0" normalizeH="0" baseline="0" noProof="0" dirty="0">
               <a:ln>
@@ -4782,7 +4790,7 @@
                 <a:ea typeface="+mn-ea"/>
                 <a:cs typeface="+mn-cs"/>
               </a:rPr>
-              <a:t>396</a:t>
+              <a:t>347</a:t>
             </a:r>
           </a:p>
         </p:txBody>
@@ -4927,7 +4935,7 @@
                 </a:solidFill>
                 <a:latin typeface="Aptos" panose="02110004020202020204"/>
               </a:rPr>
-              <a:t>3090</a:t>
+              <a:t>2990</a:t>
             </a:r>
             <a:endParaRPr kumimoji="0" lang="pt-BR" sz="5500" b="1" i="0" u="none" strike="noStrike" kern="1200" cap="none" spc="0" normalizeH="0" baseline="0" noProof="0" dirty="0">
               <a:ln>
@@ -5080,7 +5088,7 @@
               <a:defRPr/>
             </a:pPr>
             <a:r>
-              <a:rPr kumimoji="0" lang="pt-BR" sz="5500" b="1" i="0" u="none" strike="noStrike" kern="1200" cap="none" spc="0" normalizeH="0" baseline="0" noProof="0">
+              <a:rPr kumimoji="0" lang="pt-BR" sz="5500" b="1" i="0" u="none" strike="noStrike" kern="1200" cap="none" spc="0" normalizeH="0" baseline="0" noProof="0" dirty="0">
                 <a:ln>
                   <a:noFill/>
                 </a:ln>
@@ -5094,22 +5102,8 @@
                 <a:ea typeface="+mn-ea"/>
                 <a:cs typeface="+mn-cs"/>
               </a:rPr>
-              <a:t>7,80</a:t>
-            </a:r>
-            <a:endParaRPr kumimoji="0" lang="pt-BR" sz="5500" b="1" i="0" u="none" strike="noStrike" kern="1200" cap="none" spc="0" normalizeH="0" baseline="0" noProof="0" dirty="0">
-              <a:ln>
-                <a:noFill/>
-              </a:ln>
-              <a:solidFill>
-                <a:prstClr val="white"/>
-              </a:solidFill>
-              <a:effectLst/>
-              <a:uLnTx/>
-              <a:uFillTx/>
-              <a:latin typeface="Aptos" panose="02110004020202020204"/>
-              <a:ea typeface="+mn-ea"/>
-              <a:cs typeface="+mn-cs"/>
-            </a:endParaRPr>
+              <a:t>8,62</a:t>
+            </a:r>
           </a:p>
         </p:txBody>
       </p:sp>

--- a/sumario.pptx
+++ b/sumario.pptx
@@ -125,22 +125,38 @@
   <pc:docChgLst>
     <pc:chgData name="Caio Azevedo" userId="6a1c4728a6baa2a1" providerId="LiveId" clId="{6D619AE1-CA0C-44B7-9DEE-F8A6B101A9CA}"/>
     <pc:docChg chg="undo custSel modSld">
-      <pc:chgData name="Caio Azevedo" userId="6a1c4728a6baa2a1" providerId="LiveId" clId="{6D619AE1-CA0C-44B7-9DEE-F8A6B101A9CA}" dt="2024-06-16T13:35:29.658" v="694" actId="20577"/>
+      <pc:chgData name="Caio Azevedo" userId="6a1c4728a6baa2a1" providerId="LiveId" clId="{6D619AE1-CA0C-44B7-9DEE-F8A6B101A9CA}" dt="2024-07-10T13:57:09.168" v="717" actId="208"/>
       <pc:docMkLst>
         <pc:docMk/>
       </pc:docMkLst>
       <pc:sldChg chg="addSp delSp modSp mod">
-        <pc:chgData name="Caio Azevedo" userId="6a1c4728a6baa2a1" providerId="LiveId" clId="{6D619AE1-CA0C-44B7-9DEE-F8A6B101A9CA}" dt="2024-06-16T13:35:29.658" v="694" actId="20577"/>
+        <pc:chgData name="Caio Azevedo" userId="6a1c4728a6baa2a1" providerId="LiveId" clId="{6D619AE1-CA0C-44B7-9DEE-F8A6B101A9CA}" dt="2024-07-10T13:57:09.168" v="717" actId="208"/>
         <pc:sldMkLst>
           <pc:docMk/>
           <pc:sldMk cId="2633483745" sldId="256"/>
         </pc:sldMkLst>
         <pc:spChg chg="mod">
-          <ac:chgData name="Caio Azevedo" userId="6a1c4728a6baa2a1" providerId="LiveId" clId="{6D619AE1-CA0C-44B7-9DEE-F8A6B101A9CA}" dt="2024-06-16T13:34:34.352" v="671" actId="20577"/>
+          <ac:chgData name="Caio Azevedo" userId="6a1c4728a6baa2a1" providerId="LiveId" clId="{6D619AE1-CA0C-44B7-9DEE-F8A6B101A9CA}" dt="2024-07-10T13:57:01.988" v="715" actId="208"/>
           <ac:spMkLst>
             <pc:docMk/>
             <pc:sldMk cId="2633483745" sldId="256"/>
             <ac:spMk id="7" creationId="{DDD7CDC9-2305-A4C7-A833-E0D242FBC8FC}"/>
+          </ac:spMkLst>
+        </pc:spChg>
+        <pc:spChg chg="mod">
+          <ac:chgData name="Caio Azevedo" userId="6a1c4728a6baa2a1" providerId="LiveId" clId="{6D619AE1-CA0C-44B7-9DEE-F8A6B101A9CA}" dt="2024-07-10T13:57:06.460" v="716" actId="208"/>
+          <ac:spMkLst>
+            <pc:docMk/>
+            <pc:sldMk cId="2633483745" sldId="256"/>
+            <ac:spMk id="8" creationId="{150E3CE9-4351-0A1B-B122-B52621D2B87C}"/>
+          </ac:spMkLst>
+        </pc:spChg>
+        <pc:spChg chg="mod">
+          <ac:chgData name="Caio Azevedo" userId="6a1c4728a6baa2a1" providerId="LiveId" clId="{6D619AE1-CA0C-44B7-9DEE-F8A6B101A9CA}" dt="2024-07-10T13:57:09.168" v="717" actId="208"/>
+          <ac:spMkLst>
+            <pc:docMk/>
+            <pc:sldMk cId="2633483745" sldId="256"/>
+            <ac:spMk id="9" creationId="{2C8A71B1-DDC2-E93C-0B3D-3E834C87E5BA}"/>
           </ac:spMkLst>
         </pc:spChg>
         <pc:spChg chg="mod">
@@ -168,7 +184,7 @@
           </ac:spMkLst>
         </pc:spChg>
         <pc:spChg chg="mod">
-          <ac:chgData name="Caio Azevedo" userId="6a1c4728a6baa2a1" providerId="LiveId" clId="{6D619AE1-CA0C-44B7-9DEE-F8A6B101A9CA}" dt="2024-06-16T13:35:18.882" v="686" actId="20577"/>
+          <ac:chgData name="Caio Azevedo" userId="6a1c4728a6baa2a1" providerId="LiveId" clId="{6D619AE1-CA0C-44B7-9DEE-F8A6B101A9CA}" dt="2024-07-10T13:54:19.880" v="703" actId="207"/>
           <ac:spMkLst>
             <pc:docMk/>
             <pc:sldMk cId="2633483745" sldId="256"/>
@@ -176,7 +192,7 @@
           </ac:spMkLst>
         </pc:spChg>
         <pc:spChg chg="mod">
-          <ac:chgData name="Caio Azevedo" userId="6a1c4728a6baa2a1" providerId="LiveId" clId="{6D619AE1-CA0C-44B7-9DEE-F8A6B101A9CA}" dt="2024-06-16T13:35:24.682" v="690" actId="20577"/>
+          <ac:chgData name="Caio Azevedo" userId="6a1c4728a6baa2a1" providerId="LiveId" clId="{6D619AE1-CA0C-44B7-9DEE-F8A6B101A9CA}" dt="2024-07-10T13:54:19.880" v="703" actId="207"/>
           <ac:spMkLst>
             <pc:docMk/>
             <pc:sldMk cId="2633483745" sldId="256"/>
@@ -184,7 +200,7 @@
           </ac:spMkLst>
         </pc:spChg>
         <pc:spChg chg="mod">
-          <ac:chgData name="Caio Azevedo" userId="6a1c4728a6baa2a1" providerId="LiveId" clId="{6D619AE1-CA0C-44B7-9DEE-F8A6B101A9CA}" dt="2024-06-16T13:35:29.658" v="694" actId="20577"/>
+          <ac:chgData name="Caio Azevedo" userId="6a1c4728a6baa2a1" providerId="LiveId" clId="{6D619AE1-CA0C-44B7-9DEE-F8A6B101A9CA}" dt="2024-07-10T13:54:19.880" v="703" actId="207"/>
           <ac:spMkLst>
             <pc:docMk/>
             <pc:sldMk cId="2633483745" sldId="256"/>
@@ -424,7 +440,7 @@
           <a:p>
             <a:fld id="{B8C16241-3375-401B-A95E-830A4D89E6FF}" type="datetimeFigureOut">
               <a:rPr lang="pt-BR" smtClean="0"/>
-              <a:t>16/06/2024</a:t>
+              <a:t>10/07/2024</a:t>
             </a:fld>
             <a:endParaRPr lang="pt-BR"/>
           </a:p>
@@ -622,7 +638,7 @@
           <a:p>
             <a:fld id="{B8C16241-3375-401B-A95E-830A4D89E6FF}" type="datetimeFigureOut">
               <a:rPr lang="pt-BR" smtClean="0"/>
-              <a:t>16/06/2024</a:t>
+              <a:t>10/07/2024</a:t>
             </a:fld>
             <a:endParaRPr lang="pt-BR"/>
           </a:p>
@@ -830,7 +846,7 @@
           <a:p>
             <a:fld id="{B8C16241-3375-401B-A95E-830A4D89E6FF}" type="datetimeFigureOut">
               <a:rPr lang="pt-BR" smtClean="0"/>
-              <a:t>16/06/2024</a:t>
+              <a:t>10/07/2024</a:t>
             </a:fld>
             <a:endParaRPr lang="pt-BR"/>
           </a:p>
@@ -1028,7 +1044,7 @@
           <a:p>
             <a:fld id="{B8C16241-3375-401B-A95E-830A4D89E6FF}" type="datetimeFigureOut">
               <a:rPr lang="pt-BR" smtClean="0"/>
-              <a:t>16/06/2024</a:t>
+              <a:t>10/07/2024</a:t>
             </a:fld>
             <a:endParaRPr lang="pt-BR"/>
           </a:p>
@@ -1303,7 +1319,7 @@
           <a:p>
             <a:fld id="{B8C16241-3375-401B-A95E-830A4D89E6FF}" type="datetimeFigureOut">
               <a:rPr lang="pt-BR" smtClean="0"/>
-              <a:t>16/06/2024</a:t>
+              <a:t>10/07/2024</a:t>
             </a:fld>
             <a:endParaRPr lang="pt-BR"/>
           </a:p>
@@ -1568,7 +1584,7 @@
           <a:p>
             <a:fld id="{B8C16241-3375-401B-A95E-830A4D89E6FF}" type="datetimeFigureOut">
               <a:rPr lang="pt-BR" smtClean="0"/>
-              <a:t>16/06/2024</a:t>
+              <a:t>10/07/2024</a:t>
             </a:fld>
             <a:endParaRPr lang="pt-BR"/>
           </a:p>
@@ -1980,7 +1996,7 @@
           <a:p>
             <a:fld id="{B8C16241-3375-401B-A95E-830A4D89E6FF}" type="datetimeFigureOut">
               <a:rPr lang="pt-BR" smtClean="0"/>
-              <a:t>16/06/2024</a:t>
+              <a:t>10/07/2024</a:t>
             </a:fld>
             <a:endParaRPr lang="pt-BR"/>
           </a:p>
@@ -2121,7 +2137,7 @@
           <a:p>
             <a:fld id="{B8C16241-3375-401B-A95E-830A4D89E6FF}" type="datetimeFigureOut">
               <a:rPr lang="pt-BR" smtClean="0"/>
-              <a:t>16/06/2024</a:t>
+              <a:t>10/07/2024</a:t>
             </a:fld>
             <a:endParaRPr lang="pt-BR"/>
           </a:p>
@@ -2234,7 +2250,7 @@
           <a:p>
             <a:fld id="{B8C16241-3375-401B-A95E-830A4D89E6FF}" type="datetimeFigureOut">
               <a:rPr lang="pt-BR" smtClean="0"/>
-              <a:t>16/06/2024</a:t>
+              <a:t>10/07/2024</a:t>
             </a:fld>
             <a:endParaRPr lang="pt-BR"/>
           </a:p>
@@ -2545,7 +2561,7 @@
           <a:p>
             <a:fld id="{B8C16241-3375-401B-A95E-830A4D89E6FF}" type="datetimeFigureOut">
               <a:rPr lang="pt-BR" smtClean="0"/>
-              <a:t>16/06/2024</a:t>
+              <a:t>10/07/2024</a:t>
             </a:fld>
             <a:endParaRPr lang="pt-BR"/>
           </a:p>
@@ -2833,7 +2849,7 @@
           <a:p>
             <a:fld id="{B8C16241-3375-401B-A95E-830A4D89E6FF}" type="datetimeFigureOut">
               <a:rPr lang="pt-BR" smtClean="0"/>
-              <a:t>16/06/2024</a:t>
+              <a:t>10/07/2024</a:t>
             </a:fld>
             <a:endParaRPr lang="pt-BR"/>
           </a:p>
@@ -3074,7 +3090,7 @@
           <a:p>
             <a:fld id="{B8C16241-3375-401B-A95E-830A4D89E6FF}" type="datetimeFigureOut">
               <a:rPr lang="pt-BR" smtClean="0"/>
-              <a:t>16/06/2024</a:t>
+              <a:t>10/07/2024</a:t>
             </a:fld>
             <a:endParaRPr lang="pt-BR"/>
           </a:p>
@@ -3512,10 +3528,12 @@
             <a:avLst/>
           </a:prstGeom>
           <a:solidFill>
-            <a:srgbClr val="076FA2"/>
+            <a:schemeClr val="bg1"/>
           </a:solidFill>
           <a:ln>
-            <a:noFill/>
+            <a:solidFill>
+              <a:schemeClr val="tx1"/>
+            </a:solidFill>
           </a:ln>
         </p:spPr>
         <p:style>
@@ -3539,16 +3557,28 @@
           <a:lstStyle/>
           <a:p>
             <a:r>
-              <a:rPr lang="pt-BR" sz="2200" b="1" u="sng" dirty="0"/>
+              <a:rPr lang="pt-BR" sz="2200" b="1" u="sng" dirty="0">
+                <a:solidFill>
+                  <a:schemeClr val="tx1"/>
+                </a:solidFill>
+              </a:rPr>
               <a:t>Nº de empresas:</a:t>
             </a:r>
           </a:p>
           <a:p>
-            <a:endParaRPr lang="pt-BR" sz="2000" dirty="0"/>
-          </a:p>
-          <a:p>
-            <a:r>
-              <a:rPr lang="pt-BR" sz="5500" b="1" dirty="0"/>
+            <a:endParaRPr lang="pt-BR" sz="2000" dirty="0">
+              <a:solidFill>
+                <a:schemeClr val="tx1"/>
+              </a:solidFill>
+            </a:endParaRPr>
+          </a:p>
+          <a:p>
+            <a:r>
+              <a:rPr lang="pt-BR" sz="5500" b="1" dirty="0">
+                <a:solidFill>
+                  <a:schemeClr val="tx1"/>
+                </a:solidFill>
+              </a:rPr>
               <a:t>456</a:t>
             </a:r>
           </a:p>
@@ -3575,10 +3605,12 @@
             <a:avLst/>
           </a:prstGeom>
           <a:solidFill>
-            <a:srgbClr val="076FA2"/>
+            <a:schemeClr val="bg1"/>
           </a:solidFill>
           <a:ln>
-            <a:noFill/>
+            <a:solidFill>
+              <a:schemeClr val="tx1"/>
+            </a:solidFill>
           </a:ln>
         </p:spPr>
         <p:style>
@@ -3624,7 +3656,7 @@
                   <a:noFill/>
                 </a:ln>
                 <a:solidFill>
-                  <a:prstClr val="white"/>
+                  <a:schemeClr val="tx1"/>
                 </a:solidFill>
                 <a:effectLst/>
                 <a:uLnTx/>
@@ -3659,7 +3691,7 @@
                 <a:noFill/>
               </a:ln>
               <a:solidFill>
-                <a:prstClr val="white"/>
+                <a:schemeClr val="tx1"/>
               </a:solidFill>
               <a:effectLst/>
               <a:uLnTx/>
@@ -3690,7 +3722,7 @@
             <a:r>
               <a:rPr lang="pt-BR" sz="5500" b="1" dirty="0">
                 <a:solidFill>
-                  <a:prstClr val="white"/>
+                  <a:schemeClr val="tx1"/>
                 </a:solidFill>
                 <a:latin typeface="Aptos" panose="02110004020202020204"/>
               </a:rPr>
@@ -3701,7 +3733,7 @@
                 <a:noFill/>
               </a:ln>
               <a:solidFill>
-                <a:prstClr val="white"/>
+                <a:schemeClr val="tx1"/>
               </a:solidFill>
               <a:effectLst/>
               <a:uLnTx/>
@@ -3734,10 +3766,12 @@
             <a:avLst/>
           </a:prstGeom>
           <a:solidFill>
-            <a:srgbClr val="076FA2"/>
+            <a:schemeClr val="bg1"/>
           </a:solidFill>
           <a:ln>
-            <a:noFill/>
+            <a:solidFill>
+              <a:schemeClr val="tx1"/>
+            </a:solidFill>
           </a:ln>
         </p:spPr>
         <p:style>
@@ -3783,7 +3817,7 @@
                   <a:noFill/>
                 </a:ln>
                 <a:solidFill>
-                  <a:prstClr val="white"/>
+                  <a:schemeClr val="tx1"/>
                 </a:solidFill>
                 <a:effectLst/>
                 <a:uLnTx/>
@@ -3797,7 +3831,7 @@
             <a:r>
               <a:rPr lang="pt-BR" sz="2100" b="1" u="sng" dirty="0">
                 <a:solidFill>
-                  <a:prstClr val="white"/>
+                  <a:schemeClr val="tx1"/>
                 </a:solidFill>
                 <a:latin typeface="Aptos" panose="02110004020202020204"/>
               </a:rPr>
@@ -3809,7 +3843,7 @@
                   <a:noFill/>
                 </a:ln>
                 <a:solidFill>
-                  <a:prstClr val="white"/>
+                  <a:schemeClr val="tx1"/>
                 </a:solidFill>
                 <a:effectLst/>
                 <a:uLnTx/>
@@ -3844,7 +3878,7 @@
                 <a:noFill/>
               </a:ln>
               <a:solidFill>
-                <a:prstClr val="white"/>
+                <a:schemeClr val="tx1"/>
               </a:solidFill>
               <a:effectLst/>
               <a:uLnTx/>
@@ -3875,7 +3909,7 @@
             <a:r>
               <a:rPr lang="pt-BR" sz="5500" b="1" dirty="0">
                 <a:solidFill>
-                  <a:prstClr val="white"/>
+                  <a:schemeClr val="tx1"/>
                 </a:solidFill>
                 <a:latin typeface="Aptos" panose="02110004020202020204"/>
               </a:rPr>
@@ -3886,7 +3920,7 @@
                 <a:noFill/>
               </a:ln>
               <a:solidFill>
-                <a:prstClr val="white"/>
+                <a:schemeClr val="tx1"/>
               </a:solidFill>
               <a:effectLst/>
               <a:uLnTx/>
@@ -4663,7 +4697,7 @@
             <a:avLst/>
           </a:prstGeom>
           <a:solidFill>
-            <a:srgbClr val="076FA2"/>
+            <a:srgbClr val="4C9900"/>
           </a:solidFill>
           <a:ln>
             <a:noFill/>
@@ -4816,7 +4850,7 @@
             <a:avLst/>
           </a:prstGeom>
           <a:solidFill>
-            <a:srgbClr val="076FA2"/>
+            <a:srgbClr val="4C9900"/>
           </a:solidFill>
           <a:ln>
             <a:noFill/>
@@ -4975,7 +5009,7 @@
             <a:avLst/>
           </a:prstGeom>
           <a:solidFill>
-            <a:srgbClr val="076FA2"/>
+            <a:srgbClr val="4C9900"/>
           </a:solidFill>
           <a:ln>
             <a:noFill/>

--- a/sumario.pptx
+++ b/sumario.pptx
@@ -125,18 +125,18 @@
   <pc:docChgLst>
     <pc:chgData name="Caio Azevedo" userId="6a1c4728a6baa2a1" providerId="LiveId" clId="{6D619AE1-CA0C-44B7-9DEE-F8A6B101A9CA}"/>
     <pc:docChg chg="undo custSel modSld">
-      <pc:chgData name="Caio Azevedo" userId="6a1c4728a6baa2a1" providerId="LiveId" clId="{6D619AE1-CA0C-44B7-9DEE-F8A6B101A9CA}" dt="2024-07-10T13:57:09.168" v="717" actId="208"/>
+      <pc:chgData name="Caio Azevedo" userId="6a1c4728a6baa2a1" providerId="LiveId" clId="{6D619AE1-CA0C-44B7-9DEE-F8A6B101A9CA}" dt="2024-07-11T00:32:23.631" v="747" actId="20577"/>
       <pc:docMkLst>
         <pc:docMk/>
       </pc:docMkLst>
       <pc:sldChg chg="addSp delSp modSp mod">
-        <pc:chgData name="Caio Azevedo" userId="6a1c4728a6baa2a1" providerId="LiveId" clId="{6D619AE1-CA0C-44B7-9DEE-F8A6B101A9CA}" dt="2024-07-10T13:57:09.168" v="717" actId="208"/>
+        <pc:chgData name="Caio Azevedo" userId="6a1c4728a6baa2a1" providerId="LiveId" clId="{6D619AE1-CA0C-44B7-9DEE-F8A6B101A9CA}" dt="2024-07-11T00:32:23.631" v="747" actId="20577"/>
         <pc:sldMkLst>
           <pc:docMk/>
           <pc:sldMk cId="2633483745" sldId="256"/>
         </pc:sldMkLst>
         <pc:spChg chg="mod">
-          <ac:chgData name="Caio Azevedo" userId="6a1c4728a6baa2a1" providerId="LiveId" clId="{6D619AE1-CA0C-44B7-9DEE-F8A6B101A9CA}" dt="2024-07-10T13:57:01.988" v="715" actId="208"/>
+          <ac:chgData name="Caio Azevedo" userId="6a1c4728a6baa2a1" providerId="LiveId" clId="{6D619AE1-CA0C-44B7-9DEE-F8A6B101A9CA}" dt="2024-07-11T00:31:36.629" v="719" actId="20577"/>
           <ac:spMkLst>
             <pc:docMk/>
             <pc:sldMk cId="2633483745" sldId="256"/>
@@ -160,7 +160,7 @@
           </ac:spMkLst>
         </pc:spChg>
         <pc:spChg chg="mod">
-          <ac:chgData name="Caio Azevedo" userId="6a1c4728a6baa2a1" providerId="LiveId" clId="{6D619AE1-CA0C-44B7-9DEE-F8A6B101A9CA}" dt="2024-06-16T13:34:50.360" v="674" actId="20577"/>
+          <ac:chgData name="Caio Azevedo" userId="6a1c4728a6baa2a1" providerId="LiveId" clId="{6D619AE1-CA0C-44B7-9DEE-F8A6B101A9CA}" dt="2024-07-11T00:31:44.243" v="723" actId="20577"/>
           <ac:spMkLst>
             <pc:docMk/>
             <pc:sldMk cId="2633483745" sldId="256"/>
@@ -168,7 +168,7 @@
           </ac:spMkLst>
         </pc:spChg>
         <pc:spChg chg="mod">
-          <ac:chgData name="Caio Azevedo" userId="6a1c4728a6baa2a1" providerId="LiveId" clId="{6D619AE1-CA0C-44B7-9DEE-F8A6B101A9CA}" dt="2024-06-16T13:34:55.215" v="678" actId="20577"/>
+          <ac:chgData name="Caio Azevedo" userId="6a1c4728a6baa2a1" providerId="LiveId" clId="{6D619AE1-CA0C-44B7-9DEE-F8A6B101A9CA}" dt="2024-07-11T00:31:48.646" v="727" actId="20577"/>
           <ac:spMkLst>
             <pc:docMk/>
             <pc:sldMk cId="2633483745" sldId="256"/>
@@ -176,7 +176,7 @@
           </ac:spMkLst>
         </pc:spChg>
         <pc:spChg chg="mod">
-          <ac:chgData name="Caio Azevedo" userId="6a1c4728a6baa2a1" providerId="LiveId" clId="{6D619AE1-CA0C-44B7-9DEE-F8A6B101A9CA}" dt="2024-06-16T13:34:59.594" v="682" actId="20577"/>
+          <ac:chgData name="Caio Azevedo" userId="6a1c4728a6baa2a1" providerId="LiveId" clId="{6D619AE1-CA0C-44B7-9DEE-F8A6B101A9CA}" dt="2024-07-11T00:31:54.136" v="731" actId="20577"/>
           <ac:spMkLst>
             <pc:docMk/>
             <pc:sldMk cId="2633483745" sldId="256"/>
@@ -184,7 +184,7 @@
           </ac:spMkLst>
         </pc:spChg>
         <pc:spChg chg="mod">
-          <ac:chgData name="Caio Azevedo" userId="6a1c4728a6baa2a1" providerId="LiveId" clId="{6D619AE1-CA0C-44B7-9DEE-F8A6B101A9CA}" dt="2024-07-10T13:54:19.880" v="703" actId="207"/>
+          <ac:chgData name="Caio Azevedo" userId="6a1c4728a6baa2a1" providerId="LiveId" clId="{6D619AE1-CA0C-44B7-9DEE-F8A6B101A9CA}" dt="2024-07-11T00:32:12.984" v="735" actId="20577"/>
           <ac:spMkLst>
             <pc:docMk/>
             <pc:sldMk cId="2633483745" sldId="256"/>
@@ -192,7 +192,7 @@
           </ac:spMkLst>
         </pc:spChg>
         <pc:spChg chg="mod">
-          <ac:chgData name="Caio Azevedo" userId="6a1c4728a6baa2a1" providerId="LiveId" clId="{6D619AE1-CA0C-44B7-9DEE-F8A6B101A9CA}" dt="2024-07-10T13:54:19.880" v="703" actId="207"/>
+          <ac:chgData name="Caio Azevedo" userId="6a1c4728a6baa2a1" providerId="LiveId" clId="{6D619AE1-CA0C-44B7-9DEE-F8A6B101A9CA}" dt="2024-07-11T00:32:17.438" v="739" actId="20577"/>
           <ac:spMkLst>
             <pc:docMk/>
             <pc:sldMk cId="2633483745" sldId="256"/>
@@ -200,7 +200,7 @@
           </ac:spMkLst>
         </pc:spChg>
         <pc:spChg chg="mod">
-          <ac:chgData name="Caio Azevedo" userId="6a1c4728a6baa2a1" providerId="LiveId" clId="{6D619AE1-CA0C-44B7-9DEE-F8A6B101A9CA}" dt="2024-07-10T13:54:19.880" v="703" actId="207"/>
+          <ac:chgData name="Caio Azevedo" userId="6a1c4728a6baa2a1" providerId="LiveId" clId="{6D619AE1-CA0C-44B7-9DEE-F8A6B101A9CA}" dt="2024-07-11T00:32:23.631" v="747" actId="20577"/>
           <ac:spMkLst>
             <pc:docMk/>
             <pc:sldMk cId="2633483745" sldId="256"/>
@@ -3579,7 +3579,7 @@
                   <a:schemeClr val="tx1"/>
                 </a:solidFill>
               </a:rPr>
-              <a:t>456</a:t>
+              <a:t>453</a:t>
             </a:r>
           </a:p>
         </p:txBody>
@@ -4080,7 +4080,7 @@
                 <a:ea typeface="+mn-ea"/>
                 <a:cs typeface="+mn-cs"/>
               </a:rPr>
-              <a:t>287</a:t>
+              <a:t>254</a:t>
             </a:r>
           </a:p>
         </p:txBody>
@@ -4233,7 +4233,7 @@
                 <a:ea typeface="+mn-ea"/>
                 <a:cs typeface="+mn-cs"/>
               </a:rPr>
-              <a:t>1769</a:t>
+              <a:t>1744</a:t>
             </a:r>
           </a:p>
         </p:txBody>
@@ -4384,7 +4384,7 @@
                 </a:solidFill>
                 <a:latin typeface="Aptos" panose="02110004020202020204"/>
               </a:rPr>
-              <a:t>6,16</a:t>
+              <a:t>6,87</a:t>
             </a:r>
             <a:endParaRPr kumimoji="0" lang="pt-BR" sz="5500" b="1" i="0" u="none" strike="noStrike" kern="1200" cap="none" spc="0" normalizeH="0" baseline="0" noProof="0" dirty="0">
               <a:ln>
@@ -4824,7 +4824,7 @@
                 <a:ea typeface="+mn-ea"/>
                 <a:cs typeface="+mn-cs"/>
               </a:rPr>
-              <a:t>347</a:t>
+              <a:t>307</a:t>
             </a:r>
           </a:p>
         </p:txBody>
@@ -4969,7 +4969,7 @@
                 </a:solidFill>
                 <a:latin typeface="Aptos" panose="02110004020202020204"/>
               </a:rPr>
-              <a:t>2990</a:t>
+              <a:t>2965</a:t>
             </a:r>
             <a:endParaRPr kumimoji="0" lang="pt-BR" sz="5500" b="1" i="0" u="none" strike="noStrike" kern="1200" cap="none" spc="0" normalizeH="0" baseline="0" noProof="0" dirty="0">
               <a:ln>
@@ -5122,22 +5122,28 @@
               <a:defRPr/>
             </a:pPr>
             <a:r>
-              <a:rPr kumimoji="0" lang="pt-BR" sz="5500" b="1" i="0" u="none" strike="noStrike" kern="1200" cap="none" spc="0" normalizeH="0" baseline="0" noProof="0" dirty="0">
-                <a:ln>
-                  <a:noFill/>
-                </a:ln>
+              <a:rPr lang="pt-BR" sz="5500" b="1">
                 <a:solidFill>
                   <a:prstClr val="white"/>
                 </a:solidFill>
-                <a:effectLst/>
-                <a:uLnTx/>
-                <a:uFillTx/>
                 <a:latin typeface="Aptos" panose="02110004020202020204"/>
-                <a:ea typeface="+mn-ea"/>
-                <a:cs typeface="+mn-cs"/>
               </a:rPr>
-              <a:t>8,62</a:t>
-            </a:r>
+              <a:t>9,66</a:t>
+            </a:r>
+            <a:endParaRPr kumimoji="0" lang="pt-BR" sz="5500" b="1" i="0" u="none" strike="noStrike" kern="1200" cap="none" spc="0" normalizeH="0" baseline="0" noProof="0" dirty="0">
+              <a:ln>
+                <a:noFill/>
+              </a:ln>
+              <a:solidFill>
+                <a:prstClr val="white"/>
+              </a:solidFill>
+              <a:effectLst/>
+              <a:uLnTx/>
+              <a:uFillTx/>
+              <a:latin typeface="Aptos" panose="02110004020202020204"/>
+              <a:ea typeface="+mn-ea"/>
+              <a:cs typeface="+mn-cs"/>
+            </a:endParaRPr>
           </a:p>
         </p:txBody>
       </p:sp>

--- a/sumario.pptx
+++ b/sumario.pptx
@@ -112,16 +112,96 @@
 </p:presentation>
 </file>
 
-<file path=ppt/revisionInfo.xml><?xml version="1.0" encoding="utf-8"?>
-<p1510:revInfo xmlns:a="http://schemas.openxmlformats.org/drawingml/2006/main" xmlns:r="http://schemas.openxmlformats.org/officeDocument/2006/relationships" xmlns:p1510="http://schemas.microsoft.com/office/powerpoint/2015/10/main">
-  <p1510:revLst>
-    <p1510:client id="{6D619AE1-CA0C-44B7-9DEE-F8A6B101A9CA}" v="4" dt="2024-06-01T19:33:39.048"/>
-  </p1510:revLst>
-</p1510:revInfo>
-</file>
-
 <file path=ppt/changesInfos/changesInfo1.xml><?xml version="1.0" encoding="utf-8"?>
 <pc:chgInfo xmlns:a="http://schemas.openxmlformats.org/drawingml/2006/main" xmlns:r="http://schemas.openxmlformats.org/officeDocument/2006/relationships" xmlns:ac="http://schemas.microsoft.com/office/drawing/2013/main/command" xmlns:pc="http://schemas.microsoft.com/office/powerpoint/2013/main/command">
+  <pc:docChgLst>
+    <pc:chgData name="Caio Azevedo" userId="6a1c4728a6baa2a1" providerId="LiveId" clId="{BC899A2C-E655-48D3-B53A-19CEF4FB31CE}"/>
+    <pc:docChg chg="undo custSel modSld">
+      <pc:chgData name="Caio Azevedo" userId="6a1c4728a6baa2a1" providerId="LiveId" clId="{BC899A2C-E655-48D3-B53A-19CEF4FB31CE}" dt="2024-09-29T06:14:50.317" v="20" actId="255"/>
+      <pc:docMkLst>
+        <pc:docMk/>
+      </pc:docMkLst>
+      <pc:sldChg chg="modSp mod">
+        <pc:chgData name="Caio Azevedo" userId="6a1c4728a6baa2a1" providerId="LiveId" clId="{BC899A2C-E655-48D3-B53A-19CEF4FB31CE}" dt="2024-09-29T06:14:50.317" v="20" actId="255"/>
+        <pc:sldMkLst>
+          <pc:docMk/>
+          <pc:sldMk cId="2633483745" sldId="256"/>
+        </pc:sldMkLst>
+        <pc:spChg chg="mod">
+          <ac:chgData name="Caio Azevedo" userId="6a1c4728a6baa2a1" providerId="LiveId" clId="{BC899A2C-E655-48D3-B53A-19CEF4FB31CE}" dt="2024-09-29T06:13:33.936" v="0" actId="2711"/>
+          <ac:spMkLst>
+            <pc:docMk/>
+            <pc:sldMk cId="2633483745" sldId="256"/>
+            <ac:spMk id="7" creationId="{DDD7CDC9-2305-A4C7-A833-E0D242FBC8FC}"/>
+          </ac:spMkLst>
+        </pc:spChg>
+        <pc:spChg chg="mod">
+          <ac:chgData name="Caio Azevedo" userId="6a1c4728a6baa2a1" providerId="LiveId" clId="{BC899A2C-E655-48D3-B53A-19CEF4FB31CE}" dt="2024-09-29T06:13:41.334" v="1" actId="2711"/>
+          <ac:spMkLst>
+            <pc:docMk/>
+            <pc:sldMk cId="2633483745" sldId="256"/>
+            <ac:spMk id="8" creationId="{150E3CE9-4351-0A1B-B122-B52621D2B87C}"/>
+          </ac:spMkLst>
+        </pc:spChg>
+        <pc:spChg chg="mod">
+          <ac:chgData name="Caio Azevedo" userId="6a1c4728a6baa2a1" providerId="LiveId" clId="{BC899A2C-E655-48D3-B53A-19CEF4FB31CE}" dt="2024-09-29T06:13:47.842" v="2" actId="2711"/>
+          <ac:spMkLst>
+            <pc:docMk/>
+            <pc:sldMk cId="2633483745" sldId="256"/>
+            <ac:spMk id="9" creationId="{2C8A71B1-DDC2-E93C-0B3D-3E834C87E5BA}"/>
+          </ac:spMkLst>
+        </pc:spChg>
+        <pc:spChg chg="mod">
+          <ac:chgData name="Caio Azevedo" userId="6a1c4728a6baa2a1" providerId="LiveId" clId="{BC899A2C-E655-48D3-B53A-19CEF4FB31CE}" dt="2024-09-29T06:13:53.462" v="3" actId="2711"/>
+          <ac:spMkLst>
+            <pc:docMk/>
+            <pc:sldMk cId="2633483745" sldId="256"/>
+            <ac:spMk id="10" creationId="{032B0B5F-8A17-8945-E69E-E29C2ECF219E}"/>
+          </ac:spMkLst>
+        </pc:spChg>
+        <pc:spChg chg="mod">
+          <ac:chgData name="Caio Azevedo" userId="6a1c4728a6baa2a1" providerId="LiveId" clId="{BC899A2C-E655-48D3-B53A-19CEF4FB31CE}" dt="2024-09-29T06:13:59.224" v="4" actId="2711"/>
+          <ac:spMkLst>
+            <pc:docMk/>
+            <pc:sldMk cId="2633483745" sldId="256"/>
+            <ac:spMk id="11" creationId="{B8EEBE68-ECFB-936D-54B6-8E6569A7B0C8}"/>
+          </ac:spMkLst>
+        </pc:spChg>
+        <pc:spChg chg="mod">
+          <ac:chgData name="Caio Azevedo" userId="6a1c4728a6baa2a1" providerId="LiveId" clId="{BC899A2C-E655-48D3-B53A-19CEF4FB31CE}" dt="2024-09-29T06:14:36.186" v="17" actId="255"/>
+          <ac:spMkLst>
+            <pc:docMk/>
+            <pc:sldMk cId="2633483745" sldId="256"/>
+            <ac:spMk id="12" creationId="{5EC2A091-929A-E086-215F-50F25C94C26C}"/>
+          </ac:spMkLst>
+        </pc:spChg>
+        <pc:spChg chg="mod">
+          <ac:chgData name="Caio Azevedo" userId="6a1c4728a6baa2a1" providerId="LiveId" clId="{BC899A2C-E655-48D3-B53A-19CEF4FB31CE}" dt="2024-09-29T06:14:27.651" v="16" actId="2711"/>
+          <ac:spMkLst>
+            <pc:docMk/>
+            <pc:sldMk cId="2633483745" sldId="256"/>
+            <ac:spMk id="49" creationId="{92C66F13-409A-0149-C006-8460D3CA68EA}"/>
+          </ac:spMkLst>
+        </pc:spChg>
+        <pc:spChg chg="mod">
+          <ac:chgData name="Caio Azevedo" userId="6a1c4728a6baa2a1" providerId="LiveId" clId="{BC899A2C-E655-48D3-B53A-19CEF4FB31CE}" dt="2024-09-29T06:14:17.840" v="7" actId="2711"/>
+          <ac:spMkLst>
+            <pc:docMk/>
+            <pc:sldMk cId="2633483745" sldId="256"/>
+            <ac:spMk id="50" creationId="{676B230E-EA3E-D783-CA35-9F3B05547E8E}"/>
+          </ac:spMkLst>
+        </pc:spChg>
+        <pc:spChg chg="mod">
+          <ac:chgData name="Caio Azevedo" userId="6a1c4728a6baa2a1" providerId="LiveId" clId="{BC899A2C-E655-48D3-B53A-19CEF4FB31CE}" dt="2024-09-29T06:14:50.317" v="20" actId="255"/>
+          <ac:spMkLst>
+            <pc:docMk/>
+            <pc:sldMk cId="2633483745" sldId="256"/>
+            <ac:spMk id="51" creationId="{B0294DE0-1E5D-8C5D-9602-CC87AB6DDECF}"/>
+          </ac:spMkLst>
+        </pc:spChg>
+      </pc:sldChg>
+    </pc:docChg>
+  </pc:docChgLst>
   <pc:docChgLst>
     <pc:chgData name="Caio Azevedo" userId="6a1c4728a6baa2a1" providerId="LiveId" clId="{6D619AE1-CA0C-44B7-9DEE-F8A6B101A9CA}"/>
     <pc:docChg chg="undo custSel modSld">
@@ -440,7 +520,7 @@
           <a:p>
             <a:fld id="{B8C16241-3375-401B-A95E-830A4D89E6FF}" type="datetimeFigureOut">
               <a:rPr lang="pt-BR" smtClean="0"/>
-              <a:t>10/07/2024</a:t>
+              <a:t>29/09/2024</a:t>
             </a:fld>
             <a:endParaRPr lang="pt-BR"/>
           </a:p>
@@ -638,7 +718,7 @@
           <a:p>
             <a:fld id="{B8C16241-3375-401B-A95E-830A4D89E6FF}" type="datetimeFigureOut">
               <a:rPr lang="pt-BR" smtClean="0"/>
-              <a:t>10/07/2024</a:t>
+              <a:t>29/09/2024</a:t>
             </a:fld>
             <a:endParaRPr lang="pt-BR"/>
           </a:p>
@@ -846,7 +926,7 @@
           <a:p>
             <a:fld id="{B8C16241-3375-401B-A95E-830A4D89E6FF}" type="datetimeFigureOut">
               <a:rPr lang="pt-BR" smtClean="0"/>
-              <a:t>10/07/2024</a:t>
+              <a:t>29/09/2024</a:t>
             </a:fld>
             <a:endParaRPr lang="pt-BR"/>
           </a:p>
@@ -1044,7 +1124,7 @@
           <a:p>
             <a:fld id="{B8C16241-3375-401B-A95E-830A4D89E6FF}" type="datetimeFigureOut">
               <a:rPr lang="pt-BR" smtClean="0"/>
-              <a:t>10/07/2024</a:t>
+              <a:t>29/09/2024</a:t>
             </a:fld>
             <a:endParaRPr lang="pt-BR"/>
           </a:p>
@@ -1319,7 +1399,7 @@
           <a:p>
             <a:fld id="{B8C16241-3375-401B-A95E-830A4D89E6FF}" type="datetimeFigureOut">
               <a:rPr lang="pt-BR" smtClean="0"/>
-              <a:t>10/07/2024</a:t>
+              <a:t>29/09/2024</a:t>
             </a:fld>
             <a:endParaRPr lang="pt-BR"/>
           </a:p>
@@ -1584,7 +1664,7 @@
           <a:p>
             <a:fld id="{B8C16241-3375-401B-A95E-830A4D89E6FF}" type="datetimeFigureOut">
               <a:rPr lang="pt-BR" smtClean="0"/>
-              <a:t>10/07/2024</a:t>
+              <a:t>29/09/2024</a:t>
             </a:fld>
             <a:endParaRPr lang="pt-BR"/>
           </a:p>
@@ -1996,7 +2076,7 @@
           <a:p>
             <a:fld id="{B8C16241-3375-401B-A95E-830A4D89E6FF}" type="datetimeFigureOut">
               <a:rPr lang="pt-BR" smtClean="0"/>
-              <a:t>10/07/2024</a:t>
+              <a:t>29/09/2024</a:t>
             </a:fld>
             <a:endParaRPr lang="pt-BR"/>
           </a:p>
@@ -2137,7 +2217,7 @@
           <a:p>
             <a:fld id="{B8C16241-3375-401B-A95E-830A4D89E6FF}" type="datetimeFigureOut">
               <a:rPr lang="pt-BR" smtClean="0"/>
-              <a:t>10/07/2024</a:t>
+              <a:t>29/09/2024</a:t>
             </a:fld>
             <a:endParaRPr lang="pt-BR"/>
           </a:p>
@@ -2250,7 +2330,7 @@
           <a:p>
             <a:fld id="{B8C16241-3375-401B-A95E-830A4D89E6FF}" type="datetimeFigureOut">
               <a:rPr lang="pt-BR" smtClean="0"/>
-              <a:t>10/07/2024</a:t>
+              <a:t>29/09/2024</a:t>
             </a:fld>
             <a:endParaRPr lang="pt-BR"/>
           </a:p>
@@ -2561,7 +2641,7 @@
           <a:p>
             <a:fld id="{B8C16241-3375-401B-A95E-830A4D89E6FF}" type="datetimeFigureOut">
               <a:rPr lang="pt-BR" smtClean="0"/>
-              <a:t>10/07/2024</a:t>
+              <a:t>29/09/2024</a:t>
             </a:fld>
             <a:endParaRPr lang="pt-BR"/>
           </a:p>
@@ -2849,7 +2929,7 @@
           <a:p>
             <a:fld id="{B8C16241-3375-401B-A95E-830A4D89E6FF}" type="datetimeFigureOut">
               <a:rPr lang="pt-BR" smtClean="0"/>
-              <a:t>10/07/2024</a:t>
+              <a:t>29/09/2024</a:t>
             </a:fld>
             <a:endParaRPr lang="pt-BR"/>
           </a:p>
@@ -3090,7 +3170,7 @@
           <a:p>
             <a:fld id="{B8C16241-3375-401B-A95E-830A4D89E6FF}" type="datetimeFigureOut">
               <a:rPr lang="pt-BR" smtClean="0"/>
-              <a:t>10/07/2024</a:t>
+              <a:t>29/09/2024</a:t>
             </a:fld>
             <a:endParaRPr lang="pt-BR"/>
           </a:p>
@@ -3561,6 +3641,7 @@
                 <a:solidFill>
                   <a:schemeClr val="tx1"/>
                 </a:solidFill>
+                <a:latin typeface="Palatino Linotype" panose="02040502050505030304" pitchFamily="18" charset="0"/>
               </a:rPr>
               <a:t>Nº de empresas:</a:t>
             </a:r>
@@ -3570,6 +3651,7 @@
               <a:solidFill>
                 <a:schemeClr val="tx1"/>
               </a:solidFill>
+              <a:latin typeface="Palatino Linotype" panose="02040502050505030304" pitchFamily="18" charset="0"/>
             </a:endParaRPr>
           </a:p>
           <a:p>
@@ -3578,6 +3660,7 @@
                 <a:solidFill>
                   <a:schemeClr val="tx1"/>
                 </a:solidFill>
+                <a:latin typeface="Palatino Linotype" panose="02040502050505030304" pitchFamily="18" charset="0"/>
               </a:rPr>
               <a:t>453</a:t>
             </a:r>
@@ -3661,9 +3744,7 @@
                 <a:effectLst/>
                 <a:uLnTx/>
                 <a:uFillTx/>
-                <a:latin typeface="Aptos" panose="02110004020202020204"/>
-                <a:ea typeface="+mn-ea"/>
-                <a:cs typeface="+mn-cs"/>
+                <a:latin typeface="Palatino Linotype" panose="02040502050505030304" pitchFamily="18" charset="0"/>
               </a:rPr>
               <a:t>Nº de emp. com informações duplicadas:</a:t>
             </a:r>
@@ -3696,9 +3777,7 @@
               <a:effectLst/>
               <a:uLnTx/>
               <a:uFillTx/>
-              <a:latin typeface="Aptos" panose="02110004020202020204"/>
-              <a:ea typeface="+mn-ea"/>
-              <a:cs typeface="+mn-cs"/>
+              <a:latin typeface="Palatino Linotype" panose="02040502050505030304" pitchFamily="18" charset="0"/>
             </a:endParaRPr>
           </a:p>
           <a:p>
@@ -3724,7 +3803,7 @@
                 <a:solidFill>
                   <a:schemeClr val="tx1"/>
                 </a:solidFill>
-                <a:latin typeface="Aptos" panose="02110004020202020204"/>
+                <a:latin typeface="Palatino Linotype" panose="02040502050505030304" pitchFamily="18" charset="0"/>
               </a:rPr>
               <a:t>6</a:t>
             </a:r>
@@ -3738,9 +3817,7 @@
               <a:effectLst/>
               <a:uLnTx/>
               <a:uFillTx/>
-              <a:latin typeface="Aptos" panose="02110004020202020204"/>
-              <a:ea typeface="+mn-ea"/>
-              <a:cs typeface="+mn-cs"/>
+              <a:latin typeface="Palatino Linotype" panose="02040502050505030304" pitchFamily="18" charset="0"/>
             </a:endParaRPr>
           </a:p>
         </p:txBody>
@@ -3822,9 +3899,7 @@
                 <a:effectLst/>
                 <a:uLnTx/>
                 <a:uFillTx/>
-                <a:latin typeface="Aptos" panose="02110004020202020204"/>
-                <a:ea typeface="+mn-ea"/>
-                <a:cs typeface="+mn-cs"/>
+                <a:latin typeface="Palatino Linotype" panose="02040502050505030304" pitchFamily="18" charset="0"/>
               </a:rPr>
               <a:t>Nº de emp. com informações </a:t>
             </a:r>
@@ -3833,7 +3908,7 @@
                 <a:solidFill>
                   <a:schemeClr val="tx1"/>
                 </a:solidFill>
-                <a:latin typeface="Aptos" panose="02110004020202020204"/>
+                <a:latin typeface="Palatino Linotype" panose="02040502050505030304" pitchFamily="18" charset="0"/>
               </a:rPr>
               <a:t>tri</a:t>
             </a:r>
@@ -3848,9 +3923,7 @@
                 <a:effectLst/>
                 <a:uLnTx/>
                 <a:uFillTx/>
-                <a:latin typeface="Aptos" panose="02110004020202020204"/>
-                <a:ea typeface="+mn-ea"/>
-                <a:cs typeface="+mn-cs"/>
+                <a:latin typeface="Palatino Linotype" panose="02040502050505030304" pitchFamily="18" charset="0"/>
               </a:rPr>
               <a:t>plicadas:</a:t>
             </a:r>
@@ -3883,9 +3956,7 @@
               <a:effectLst/>
               <a:uLnTx/>
               <a:uFillTx/>
-              <a:latin typeface="Aptos" panose="02110004020202020204"/>
-              <a:ea typeface="+mn-ea"/>
-              <a:cs typeface="+mn-cs"/>
+              <a:latin typeface="Palatino Linotype" panose="02040502050505030304" pitchFamily="18" charset="0"/>
             </a:endParaRPr>
           </a:p>
           <a:p>
@@ -3911,7 +3982,7 @@
                 <a:solidFill>
                   <a:schemeClr val="tx1"/>
                 </a:solidFill>
-                <a:latin typeface="Aptos" panose="02110004020202020204"/>
+                <a:latin typeface="Palatino Linotype" panose="02040502050505030304" pitchFamily="18" charset="0"/>
               </a:rPr>
               <a:t>1</a:t>
             </a:r>
@@ -3925,9 +3996,7 @@
               <a:effectLst/>
               <a:uLnTx/>
               <a:uFillTx/>
-              <a:latin typeface="Aptos" panose="02110004020202020204"/>
-              <a:ea typeface="+mn-ea"/>
-              <a:cs typeface="+mn-cs"/>
+              <a:latin typeface="Palatino Linotype" panose="02040502050505030304" pitchFamily="18" charset="0"/>
             </a:endParaRPr>
           </a:p>
         </p:txBody>
@@ -4007,9 +4076,7 @@
                 <a:effectLst/>
                 <a:uLnTx/>
                 <a:uFillTx/>
-                <a:latin typeface="Aptos" panose="02110004020202020204"/>
-                <a:ea typeface="+mn-ea"/>
-                <a:cs typeface="+mn-cs"/>
+                <a:latin typeface="Palatino Linotype" panose="02040502050505030304" pitchFamily="18" charset="0"/>
               </a:rPr>
               <a:t>Nº de contas diferentes do Ativo:</a:t>
             </a:r>
@@ -4042,9 +4109,7 @@
               <a:effectLst/>
               <a:uLnTx/>
               <a:uFillTx/>
-              <a:latin typeface="Aptos" panose="02110004020202020204"/>
-              <a:ea typeface="+mn-ea"/>
-              <a:cs typeface="+mn-cs"/>
+              <a:latin typeface="Palatino Linotype" panose="02040502050505030304" pitchFamily="18" charset="0"/>
             </a:endParaRPr>
           </a:p>
           <a:p>
@@ -4076,9 +4141,7 @@
                 <a:effectLst/>
                 <a:uLnTx/>
                 <a:uFillTx/>
-                <a:latin typeface="Aptos" panose="02110004020202020204"/>
-                <a:ea typeface="+mn-ea"/>
-                <a:cs typeface="+mn-cs"/>
+                <a:latin typeface="Palatino Linotype" panose="02040502050505030304" pitchFamily="18" charset="0"/>
               </a:rPr>
               <a:t>254</a:t>
             </a:r>
@@ -4160,9 +4223,7 @@
                 <a:effectLst/>
                 <a:uLnTx/>
                 <a:uFillTx/>
-                <a:latin typeface="Aptos" panose="02110004020202020204"/>
-                <a:ea typeface="+mn-ea"/>
-                <a:cs typeface="+mn-cs"/>
+                <a:latin typeface="Palatino Linotype" panose="02040502050505030304" pitchFamily="18" charset="0"/>
               </a:rPr>
               <a:t>Nº de terminologias diferentes do Ativo:</a:t>
             </a:r>
@@ -4195,9 +4256,7 @@
               <a:effectLst/>
               <a:uLnTx/>
               <a:uFillTx/>
-              <a:latin typeface="Aptos" panose="02110004020202020204"/>
-              <a:ea typeface="+mn-ea"/>
-              <a:cs typeface="+mn-cs"/>
+              <a:latin typeface="Palatino Linotype" panose="02040502050505030304" pitchFamily="18" charset="0"/>
             </a:endParaRPr>
           </a:p>
           <a:p>
@@ -4229,9 +4288,7 @@
                 <a:effectLst/>
                 <a:uLnTx/>
                 <a:uFillTx/>
-                <a:latin typeface="Aptos" panose="02110004020202020204"/>
-                <a:ea typeface="+mn-ea"/>
-                <a:cs typeface="+mn-cs"/>
+                <a:latin typeface="Palatino Linotype" panose="02040502050505030304" pitchFamily="18" charset="0"/>
               </a:rPr>
               <a:t>1744</a:t>
             </a:r>
@@ -4303,15 +4360,15 @@
               <a:defRPr/>
             </a:pPr>
             <a:r>
-              <a:rPr lang="pt-BR" sz="2200" b="1" u="sng" dirty="0">
+              <a:rPr lang="pt-BR" sz="2000" b="1" u="sng" dirty="0">
                 <a:solidFill>
                   <a:prstClr val="white"/>
                 </a:solidFill>
-                <a:latin typeface="Aptos" panose="02110004020202020204"/>
+                <a:latin typeface="Palatino Linotype" panose="02040502050505030304" pitchFamily="18" charset="0"/>
               </a:rPr>
               <a:t>Média de terminologias por contas do Ativo:</a:t>
             </a:r>
-            <a:endParaRPr kumimoji="0" lang="pt-BR" sz="2200" b="1" i="0" u="sng" strike="noStrike" kern="1200" cap="none" spc="0" normalizeH="0" baseline="0" noProof="0" dirty="0">
+            <a:endParaRPr kumimoji="0" lang="pt-BR" sz="2000" b="1" i="0" u="sng" strike="noStrike" kern="1200" cap="none" spc="0" normalizeH="0" baseline="0" noProof="0" dirty="0">
               <a:ln>
                 <a:noFill/>
               </a:ln>
@@ -4321,9 +4378,7 @@
               <a:effectLst/>
               <a:uLnTx/>
               <a:uFillTx/>
-              <a:latin typeface="Aptos" panose="02110004020202020204"/>
-              <a:ea typeface="+mn-ea"/>
-              <a:cs typeface="+mn-cs"/>
+              <a:latin typeface="Palatino Linotype" panose="02040502050505030304" pitchFamily="18" charset="0"/>
             </a:endParaRPr>
           </a:p>
           <a:p>
@@ -4354,9 +4409,7 @@
               <a:effectLst/>
               <a:uLnTx/>
               <a:uFillTx/>
-              <a:latin typeface="Aptos" panose="02110004020202020204"/>
-              <a:ea typeface="+mn-ea"/>
-              <a:cs typeface="+mn-cs"/>
+              <a:latin typeface="Palatino Linotype" panose="02040502050505030304" pitchFamily="18" charset="0"/>
             </a:endParaRPr>
           </a:p>
           <a:p>
@@ -4382,7 +4435,7 @@
                 <a:solidFill>
                   <a:prstClr val="white"/>
                 </a:solidFill>
-                <a:latin typeface="Aptos" panose="02110004020202020204"/>
+                <a:latin typeface="Palatino Linotype" panose="02040502050505030304" pitchFamily="18" charset="0"/>
               </a:rPr>
               <a:t>6,87</a:t>
             </a:r>
@@ -4396,9 +4449,7 @@
               <a:effectLst/>
               <a:uLnTx/>
               <a:uFillTx/>
-              <a:latin typeface="Aptos" panose="02110004020202020204"/>
-              <a:ea typeface="+mn-ea"/>
-              <a:cs typeface="+mn-cs"/>
+              <a:latin typeface="Palatino Linotype" panose="02040502050505030304" pitchFamily="18" charset="0"/>
             </a:endParaRPr>
           </a:p>
         </p:txBody>
@@ -4751,9 +4802,7 @@
                 <a:effectLst/>
                 <a:uLnTx/>
                 <a:uFillTx/>
-                <a:latin typeface="Aptos" panose="02110004020202020204"/>
-                <a:ea typeface="+mn-ea"/>
-                <a:cs typeface="+mn-cs"/>
+                <a:latin typeface="Palatino Linotype" panose="02040502050505030304" pitchFamily="18" charset="0"/>
               </a:rPr>
               <a:t>Nº de contas diferentes do Passivo:</a:t>
             </a:r>
@@ -4786,9 +4835,7 @@
               <a:effectLst/>
               <a:uLnTx/>
               <a:uFillTx/>
-              <a:latin typeface="Aptos" panose="02110004020202020204"/>
-              <a:ea typeface="+mn-ea"/>
-              <a:cs typeface="+mn-cs"/>
+              <a:latin typeface="Palatino Linotype" panose="02040502050505030304" pitchFamily="18" charset="0"/>
             </a:endParaRPr>
           </a:p>
           <a:p>
@@ -4820,9 +4867,7 @@
                 <a:effectLst/>
                 <a:uLnTx/>
                 <a:uFillTx/>
-                <a:latin typeface="Aptos" panose="02110004020202020204"/>
-                <a:ea typeface="+mn-ea"/>
-                <a:cs typeface="+mn-cs"/>
+                <a:latin typeface="Palatino Linotype" panose="02040502050505030304" pitchFamily="18" charset="0"/>
               </a:rPr>
               <a:t>307</a:t>
             </a:r>
@@ -4904,9 +4949,7 @@
                 <a:effectLst/>
                 <a:uLnTx/>
                 <a:uFillTx/>
-                <a:latin typeface="Aptos" panose="02110004020202020204"/>
-                <a:ea typeface="+mn-ea"/>
-                <a:cs typeface="+mn-cs"/>
+                <a:latin typeface="Palatino Linotype" panose="02040502050505030304" pitchFamily="18" charset="0"/>
               </a:rPr>
               <a:t>Nº de terminologias diferentes do Passivo:</a:t>
             </a:r>
@@ -4939,9 +4982,7 @@
               <a:effectLst/>
               <a:uLnTx/>
               <a:uFillTx/>
-              <a:latin typeface="Aptos" panose="02110004020202020204"/>
-              <a:ea typeface="+mn-ea"/>
-              <a:cs typeface="+mn-cs"/>
+              <a:latin typeface="Palatino Linotype" panose="02040502050505030304" pitchFamily="18" charset="0"/>
             </a:endParaRPr>
           </a:p>
           <a:p>
@@ -4967,7 +5008,7 @@
                 <a:solidFill>
                   <a:prstClr val="white"/>
                 </a:solidFill>
-                <a:latin typeface="Aptos" panose="02110004020202020204"/>
+                <a:latin typeface="Palatino Linotype" panose="02040502050505030304" pitchFamily="18" charset="0"/>
               </a:rPr>
               <a:t>2965</a:t>
             </a:r>
@@ -4981,9 +5022,7 @@
               <a:effectLst/>
               <a:uLnTx/>
               <a:uFillTx/>
-              <a:latin typeface="Aptos" panose="02110004020202020204"/>
-              <a:ea typeface="+mn-ea"/>
-              <a:cs typeface="+mn-cs"/>
+              <a:latin typeface="Palatino Linotype" panose="02040502050505030304" pitchFamily="18" charset="0"/>
             </a:endParaRPr>
           </a:p>
         </p:txBody>
@@ -5053,7 +5092,7 @@
               <a:defRPr/>
             </a:pPr>
             <a:r>
-              <a:rPr kumimoji="0" lang="pt-BR" sz="2200" b="1" i="0" u="sng" strike="noStrike" kern="1200" cap="none" spc="0" normalizeH="0" baseline="0" noProof="0" dirty="0">
+              <a:rPr kumimoji="0" lang="pt-BR" sz="2000" b="1" i="0" u="sng" strike="noStrike" kern="1200" cap="none" spc="0" normalizeH="0" baseline="0" noProof="0" dirty="0">
                 <a:ln>
                   <a:noFill/>
                 </a:ln>
@@ -5063,9 +5102,7 @@
                 <a:effectLst/>
                 <a:uLnTx/>
                 <a:uFillTx/>
-                <a:latin typeface="Aptos" panose="02110004020202020204"/>
-                <a:ea typeface="+mn-ea"/>
-                <a:cs typeface="+mn-cs"/>
+                <a:latin typeface="Palatino Linotype" panose="02040502050505030304" pitchFamily="18" charset="0"/>
               </a:rPr>
               <a:t>Média de terminologias por contas do Passivo:</a:t>
             </a:r>
@@ -5098,9 +5135,7 @@
               <a:effectLst/>
               <a:uLnTx/>
               <a:uFillTx/>
-              <a:latin typeface="Aptos" panose="02110004020202020204"/>
-              <a:ea typeface="+mn-ea"/>
-              <a:cs typeface="+mn-cs"/>
+              <a:latin typeface="Palatino Linotype" panose="02040502050505030304" pitchFamily="18" charset="0"/>
             </a:endParaRPr>
           </a:p>
           <a:p>
@@ -5122,11 +5157,11 @@
               <a:defRPr/>
             </a:pPr>
             <a:r>
-              <a:rPr lang="pt-BR" sz="5500" b="1">
+              <a:rPr lang="pt-BR" sz="5500" b="1" dirty="0">
                 <a:solidFill>
                   <a:prstClr val="white"/>
                 </a:solidFill>
-                <a:latin typeface="Aptos" panose="02110004020202020204"/>
+                <a:latin typeface="Palatino Linotype" panose="02040502050505030304" pitchFamily="18" charset="0"/>
               </a:rPr>
               <a:t>9,66</a:t>
             </a:r>
@@ -5140,9 +5175,7 @@
               <a:effectLst/>
               <a:uLnTx/>
               <a:uFillTx/>
-              <a:latin typeface="Aptos" panose="02110004020202020204"/>
-              <a:ea typeface="+mn-ea"/>
-              <a:cs typeface="+mn-cs"/>
+              <a:latin typeface="Palatino Linotype" panose="02040502050505030304" pitchFamily="18" charset="0"/>
             </a:endParaRPr>
           </a:p>
         </p:txBody>
